--- a/Unit 4/operators.pptx
+++ b/Unit 4/operators.pptx
@@ -1,9 +1,12 @@
 
 <file path=ppt/presentation.xml><?xml version="1.0" encoding="utf-8"?>
-<p:presentation xmlns:a="http://schemas.openxmlformats.org/drawingml/2006/main" xmlns:r="http://schemas.openxmlformats.org/officeDocument/2006/relationships" xmlns:p="http://schemas.openxmlformats.org/presentationml/2006/main" saveSubsetFonts="1">
+<p:presentation xmlns:a="http://schemas.openxmlformats.org/drawingml/2006/main" xmlns:r="http://schemas.openxmlformats.org/officeDocument/2006/relationships" xmlns:p="http://schemas.openxmlformats.org/presentationml/2006/main" showSpecialPlsOnTitleSld="0" saveSubsetFonts="1">
   <p:sldMasterIdLst>
     <p:sldMasterId id="2147483648" r:id="rId1"/>
   </p:sldMasterIdLst>
+  <p:notesMasterIdLst>
+    <p:notesMasterId r:id="rId41"/>
+  </p:notesMasterIdLst>
   <p:sldIdLst>
     <p:sldId id="256" r:id="rId2"/>
     <p:sldId id="257" r:id="rId3"/>
@@ -161,6 +164,440 @@
 </p:presentation>
 </file>
 
+<file path=ppt/notesMasters/notesMaster1.xml><?xml version="1.0" encoding="utf-8"?>
+<p:notesMaster xmlns:a="http://schemas.openxmlformats.org/drawingml/2006/main" xmlns:r="http://schemas.openxmlformats.org/officeDocument/2006/relationships" xmlns:p="http://schemas.openxmlformats.org/presentationml/2006/main">
+  <p:cSld>
+    <p:bg>
+      <p:bgRef idx="1001">
+        <a:schemeClr val="bg1"/>
+      </p:bgRef>
+    </p:bg>
+    <p:spTree>
+      <p:nvGrpSpPr>
+        <p:cNvPr id="1" name=""/>
+        <p:cNvGrpSpPr/>
+        <p:nvPr/>
+      </p:nvGrpSpPr>
+      <p:grpSpPr>
+        <a:xfrm>
+          <a:off x="0" y="0"/>
+          <a:ext cx="0" cy="0"/>
+          <a:chOff x="0" y="0"/>
+          <a:chExt cx="0" cy="0"/>
+        </a:xfrm>
+      </p:grpSpPr>
+      <p:sp>
+        <p:nvSpPr>
+          <p:cNvPr id="2" name="Header Placeholder 1"/>
+          <p:cNvSpPr>
+            <a:spLocks noGrp="1"/>
+          </p:cNvSpPr>
+          <p:nvPr>
+            <p:ph type="hdr" sz="quarter"/>
+          </p:nvPr>
+        </p:nvSpPr>
+        <p:spPr>
+          <a:xfrm>
+            <a:off x="0" y="0"/>
+            <a:ext cx="2971800" cy="458788"/>
+          </a:xfrm>
+          <a:prstGeom prst="rect">
+            <a:avLst/>
+          </a:prstGeom>
+        </p:spPr>
+        <p:txBody>
+          <a:bodyPr vert="horz" lIns="91440" tIns="45720" rIns="91440" bIns="45720" rtlCol="0"/>
+          <a:lstStyle>
+            <a:lvl1pPr algn="l">
+              <a:defRPr sz="1200"/>
+            </a:lvl1pPr>
+          </a:lstStyle>
+          <a:p>
+            <a:endParaRPr lang="en-US"/>
+          </a:p>
+        </p:txBody>
+      </p:sp>
+      <p:sp>
+        <p:nvSpPr>
+          <p:cNvPr id="3" name="Date Placeholder 2"/>
+          <p:cNvSpPr>
+            <a:spLocks noGrp="1"/>
+          </p:cNvSpPr>
+          <p:nvPr>
+            <p:ph type="dt" idx="1"/>
+          </p:nvPr>
+        </p:nvSpPr>
+        <p:spPr>
+          <a:xfrm>
+            <a:off x="3884613" y="0"/>
+            <a:ext cx="2971800" cy="458788"/>
+          </a:xfrm>
+          <a:prstGeom prst="rect">
+            <a:avLst/>
+          </a:prstGeom>
+        </p:spPr>
+        <p:txBody>
+          <a:bodyPr vert="horz" lIns="91440" tIns="45720" rIns="91440" bIns="45720" rtlCol="0"/>
+          <a:lstStyle>
+            <a:lvl1pPr algn="r">
+              <a:defRPr sz="1200"/>
+            </a:lvl1pPr>
+          </a:lstStyle>
+          <a:p>
+            <a:fld id="{25421DBE-D1B5-0348-AEA9-9F0F9806E4A3}" type="datetimeFigureOut">
+              <a:rPr lang="en-US" smtClean="0"/>
+              <a:t>2/29/16</a:t>
+            </a:fld>
+            <a:endParaRPr lang="en-US"/>
+          </a:p>
+        </p:txBody>
+      </p:sp>
+      <p:sp>
+        <p:nvSpPr>
+          <p:cNvPr id="4" name="Slide Image Placeholder 3"/>
+          <p:cNvSpPr>
+            <a:spLocks noGrp="1" noRot="1" noChangeAspect="1"/>
+          </p:cNvSpPr>
+          <p:nvPr>
+            <p:ph type="sldImg" idx="2"/>
+          </p:nvPr>
+        </p:nvSpPr>
+        <p:spPr>
+          <a:xfrm>
+            <a:off x="1371600" y="1143000"/>
+            <a:ext cx="4114800" cy="3086100"/>
+          </a:xfrm>
+          <a:prstGeom prst="rect">
+            <a:avLst/>
+          </a:prstGeom>
+          <a:noFill/>
+          <a:ln w="12700">
+            <a:solidFill>
+              <a:prstClr val="black"/>
+            </a:solidFill>
+          </a:ln>
+        </p:spPr>
+        <p:txBody>
+          <a:bodyPr vert="horz" lIns="91440" tIns="45720" rIns="91440" bIns="45720" rtlCol="0" anchor="ctr"/>
+          <a:lstStyle/>
+          <a:p>
+            <a:endParaRPr lang="en-US"/>
+          </a:p>
+        </p:txBody>
+      </p:sp>
+      <p:sp>
+        <p:nvSpPr>
+          <p:cNvPr id="5" name="Notes Placeholder 4"/>
+          <p:cNvSpPr>
+            <a:spLocks noGrp="1"/>
+          </p:cNvSpPr>
+          <p:nvPr>
+            <p:ph type="body" sz="quarter" idx="3"/>
+          </p:nvPr>
+        </p:nvSpPr>
+        <p:spPr>
+          <a:xfrm>
+            <a:off x="685800" y="4400550"/>
+            <a:ext cx="5486400" cy="3600450"/>
+          </a:xfrm>
+          <a:prstGeom prst="rect">
+            <a:avLst/>
+          </a:prstGeom>
+        </p:spPr>
+        <p:txBody>
+          <a:bodyPr vert="horz" lIns="91440" tIns="45720" rIns="91440" bIns="45720" rtlCol="0"/>
+          <a:lstStyle/>
+          <a:p>
+            <a:pPr lvl="0"/>
+            <a:r>
+              <a:rPr lang="en-US" smtClean="0"/>
+              <a:t>Click to edit Master text styles</a:t>
+            </a:r>
+          </a:p>
+          <a:p>
+            <a:pPr lvl="1"/>
+            <a:r>
+              <a:rPr lang="en-US" smtClean="0"/>
+              <a:t>Second level</a:t>
+            </a:r>
+          </a:p>
+          <a:p>
+            <a:pPr lvl="2"/>
+            <a:r>
+              <a:rPr lang="en-US" smtClean="0"/>
+              <a:t>Third level</a:t>
+            </a:r>
+          </a:p>
+          <a:p>
+            <a:pPr lvl="3"/>
+            <a:r>
+              <a:rPr lang="en-US" smtClean="0"/>
+              <a:t>Fourth level</a:t>
+            </a:r>
+          </a:p>
+          <a:p>
+            <a:pPr lvl="4"/>
+            <a:r>
+              <a:rPr lang="en-US" smtClean="0"/>
+              <a:t>Fifth level</a:t>
+            </a:r>
+            <a:endParaRPr lang="en-US"/>
+          </a:p>
+        </p:txBody>
+      </p:sp>
+      <p:sp>
+        <p:nvSpPr>
+          <p:cNvPr id="6" name="Footer Placeholder 5"/>
+          <p:cNvSpPr>
+            <a:spLocks noGrp="1"/>
+          </p:cNvSpPr>
+          <p:nvPr>
+            <p:ph type="ftr" sz="quarter" idx="4"/>
+          </p:nvPr>
+        </p:nvSpPr>
+        <p:spPr>
+          <a:xfrm>
+            <a:off x="0" y="8685213"/>
+            <a:ext cx="2971800" cy="458787"/>
+          </a:xfrm>
+          <a:prstGeom prst="rect">
+            <a:avLst/>
+          </a:prstGeom>
+        </p:spPr>
+        <p:txBody>
+          <a:bodyPr vert="horz" lIns="91440" tIns="45720" rIns="91440" bIns="45720" rtlCol="0" anchor="b"/>
+          <a:lstStyle>
+            <a:lvl1pPr algn="l">
+              <a:defRPr sz="1200"/>
+            </a:lvl1pPr>
+          </a:lstStyle>
+          <a:p>
+            <a:endParaRPr lang="en-US"/>
+          </a:p>
+        </p:txBody>
+      </p:sp>
+      <p:sp>
+        <p:nvSpPr>
+          <p:cNvPr id="7" name="Slide Number Placeholder 6"/>
+          <p:cNvSpPr>
+            <a:spLocks noGrp="1"/>
+          </p:cNvSpPr>
+          <p:nvPr>
+            <p:ph type="sldNum" sz="quarter" idx="5"/>
+          </p:nvPr>
+        </p:nvSpPr>
+        <p:spPr>
+          <a:xfrm>
+            <a:off x="3884613" y="8685213"/>
+            <a:ext cx="2971800" cy="458787"/>
+          </a:xfrm>
+          <a:prstGeom prst="rect">
+            <a:avLst/>
+          </a:prstGeom>
+        </p:spPr>
+        <p:txBody>
+          <a:bodyPr vert="horz" lIns="91440" tIns="45720" rIns="91440" bIns="45720" rtlCol="0" anchor="b"/>
+          <a:lstStyle>
+            <a:lvl1pPr algn="r">
+              <a:defRPr sz="1200"/>
+            </a:lvl1pPr>
+          </a:lstStyle>
+          <a:p>
+            <a:fld id="{6CB13C06-A7B5-2A40-9582-74BFD17CABD0}" type="slidenum">
+              <a:rPr lang="en-US" smtClean="0"/>
+              <a:t>‹#›</a:t>
+            </a:fld>
+            <a:endParaRPr lang="en-US"/>
+          </a:p>
+        </p:txBody>
+      </p:sp>
+    </p:spTree>
+    <p:extLst>
+      <p:ext uri="{BB962C8B-B14F-4D97-AF65-F5344CB8AC3E}">
+        <p14:creationId xmlns:p14="http://schemas.microsoft.com/office/powerpoint/2010/main" val="450049343"/>
+      </p:ext>
+    </p:extLst>
+  </p:cSld>
+  <p:clrMap bg1="lt1" tx1="dk1" bg2="lt2" tx2="dk2" accent1="accent1" accent2="accent2" accent3="accent3" accent4="accent4" accent5="accent5" accent6="accent6" hlink="hlink" folHlink="folHlink"/>
+  <p:notesStyle>
+    <a:lvl1pPr marL="0" algn="l" defTabSz="914400" rtl="0" eaLnBrk="1" latinLnBrk="0" hangingPunct="1">
+      <a:defRPr sz="1200" kern="1200">
+        <a:solidFill>
+          <a:schemeClr val="tx1"/>
+        </a:solidFill>
+        <a:latin typeface="+mn-lt"/>
+        <a:ea typeface="+mn-ea"/>
+        <a:cs typeface="+mn-cs"/>
+      </a:defRPr>
+    </a:lvl1pPr>
+    <a:lvl2pPr marL="457200" algn="l" defTabSz="914400" rtl="0" eaLnBrk="1" latinLnBrk="0" hangingPunct="1">
+      <a:defRPr sz="1200" kern="1200">
+        <a:solidFill>
+          <a:schemeClr val="tx1"/>
+        </a:solidFill>
+        <a:latin typeface="+mn-lt"/>
+        <a:ea typeface="+mn-ea"/>
+        <a:cs typeface="+mn-cs"/>
+      </a:defRPr>
+    </a:lvl2pPr>
+    <a:lvl3pPr marL="914400" algn="l" defTabSz="914400" rtl="0" eaLnBrk="1" latinLnBrk="0" hangingPunct="1">
+      <a:defRPr sz="1200" kern="1200">
+        <a:solidFill>
+          <a:schemeClr val="tx1"/>
+        </a:solidFill>
+        <a:latin typeface="+mn-lt"/>
+        <a:ea typeface="+mn-ea"/>
+        <a:cs typeface="+mn-cs"/>
+      </a:defRPr>
+    </a:lvl3pPr>
+    <a:lvl4pPr marL="1371600" algn="l" defTabSz="914400" rtl="0" eaLnBrk="1" latinLnBrk="0" hangingPunct="1">
+      <a:defRPr sz="1200" kern="1200">
+        <a:solidFill>
+          <a:schemeClr val="tx1"/>
+        </a:solidFill>
+        <a:latin typeface="+mn-lt"/>
+        <a:ea typeface="+mn-ea"/>
+        <a:cs typeface="+mn-cs"/>
+      </a:defRPr>
+    </a:lvl4pPr>
+    <a:lvl5pPr marL="1828800" algn="l" defTabSz="914400" rtl="0" eaLnBrk="1" latinLnBrk="0" hangingPunct="1">
+      <a:defRPr sz="1200" kern="1200">
+        <a:solidFill>
+          <a:schemeClr val="tx1"/>
+        </a:solidFill>
+        <a:latin typeface="+mn-lt"/>
+        <a:ea typeface="+mn-ea"/>
+        <a:cs typeface="+mn-cs"/>
+      </a:defRPr>
+    </a:lvl5pPr>
+    <a:lvl6pPr marL="2286000" algn="l" defTabSz="914400" rtl="0" eaLnBrk="1" latinLnBrk="0" hangingPunct="1">
+      <a:defRPr sz="1200" kern="1200">
+        <a:solidFill>
+          <a:schemeClr val="tx1"/>
+        </a:solidFill>
+        <a:latin typeface="+mn-lt"/>
+        <a:ea typeface="+mn-ea"/>
+        <a:cs typeface="+mn-cs"/>
+      </a:defRPr>
+    </a:lvl6pPr>
+    <a:lvl7pPr marL="2743200" algn="l" defTabSz="914400" rtl="0" eaLnBrk="1" latinLnBrk="0" hangingPunct="1">
+      <a:defRPr sz="1200" kern="1200">
+        <a:solidFill>
+          <a:schemeClr val="tx1"/>
+        </a:solidFill>
+        <a:latin typeface="+mn-lt"/>
+        <a:ea typeface="+mn-ea"/>
+        <a:cs typeface="+mn-cs"/>
+      </a:defRPr>
+    </a:lvl7pPr>
+    <a:lvl8pPr marL="3200400" algn="l" defTabSz="914400" rtl="0" eaLnBrk="1" latinLnBrk="0" hangingPunct="1">
+      <a:defRPr sz="1200" kern="1200">
+        <a:solidFill>
+          <a:schemeClr val="tx1"/>
+        </a:solidFill>
+        <a:latin typeface="+mn-lt"/>
+        <a:ea typeface="+mn-ea"/>
+        <a:cs typeface="+mn-cs"/>
+      </a:defRPr>
+    </a:lvl8pPr>
+    <a:lvl9pPr marL="3657600" algn="l" defTabSz="914400" rtl="0" eaLnBrk="1" latinLnBrk="0" hangingPunct="1">
+      <a:defRPr sz="1200" kern="1200">
+        <a:solidFill>
+          <a:schemeClr val="tx1"/>
+        </a:solidFill>
+        <a:latin typeface="+mn-lt"/>
+        <a:ea typeface="+mn-ea"/>
+        <a:cs typeface="+mn-cs"/>
+      </a:defRPr>
+    </a:lvl9pPr>
+  </p:notesStyle>
+</p:notesMaster>
+</file>
+
+<file path=ppt/notesSlides/notesSlide1.xml><?xml version="1.0" encoding="utf-8"?>
+<p:notes xmlns:a="http://schemas.openxmlformats.org/drawingml/2006/main" xmlns:r="http://schemas.openxmlformats.org/officeDocument/2006/relationships" xmlns:p="http://schemas.openxmlformats.org/presentationml/2006/main">
+  <p:cSld>
+    <p:spTree>
+      <p:nvGrpSpPr>
+        <p:cNvPr id="1" name=""/>
+        <p:cNvGrpSpPr/>
+        <p:nvPr/>
+      </p:nvGrpSpPr>
+      <p:grpSpPr>
+        <a:xfrm>
+          <a:off x="0" y="0"/>
+          <a:ext cx="0" cy="0"/>
+          <a:chOff x="0" y="0"/>
+          <a:chExt cx="0" cy="0"/>
+        </a:xfrm>
+      </p:grpSpPr>
+      <p:sp>
+        <p:nvSpPr>
+          <p:cNvPr id="2" name="Slide Image Placeholder 1"/>
+          <p:cNvSpPr>
+            <a:spLocks noGrp="1" noRot="1" noChangeAspect="1"/>
+          </p:cNvSpPr>
+          <p:nvPr>
+            <p:ph type="sldImg"/>
+          </p:nvPr>
+        </p:nvSpPr>
+        <p:spPr/>
+      </p:sp>
+      <p:sp>
+        <p:nvSpPr>
+          <p:cNvPr id="3" name="Notes Placeholder 2"/>
+          <p:cNvSpPr>
+            <a:spLocks noGrp="1"/>
+          </p:cNvSpPr>
+          <p:nvPr>
+            <p:ph type="body" idx="1"/>
+          </p:nvPr>
+        </p:nvSpPr>
+        <p:spPr/>
+        <p:txBody>
+          <a:bodyPr/>
+          <a:lstStyle/>
+          <a:p>
+            <a:endParaRPr lang="en-US"/>
+          </a:p>
+        </p:txBody>
+      </p:sp>
+      <p:sp>
+        <p:nvSpPr>
+          <p:cNvPr id="4" name="Slide Number Placeholder 3"/>
+          <p:cNvSpPr>
+            <a:spLocks noGrp="1"/>
+          </p:cNvSpPr>
+          <p:nvPr>
+            <p:ph type="sldNum" sz="quarter" idx="10"/>
+          </p:nvPr>
+        </p:nvSpPr>
+        <p:spPr/>
+        <p:txBody>
+          <a:bodyPr/>
+          <a:lstStyle/>
+          <a:p>
+            <a:fld id="{6CB13C06-A7B5-2A40-9582-74BFD17CABD0}" type="slidenum">
+              <a:rPr lang="en-US" smtClean="0"/>
+              <a:t>1</a:t>
+            </a:fld>
+            <a:endParaRPr lang="en-US"/>
+          </a:p>
+        </p:txBody>
+      </p:sp>
+    </p:spTree>
+    <p:extLst>
+      <p:ext uri="{BB962C8B-B14F-4D97-AF65-F5344CB8AC3E}">
+        <p14:creationId xmlns:p14="http://schemas.microsoft.com/office/powerpoint/2010/main" val="541903067"/>
+      </p:ext>
+    </p:extLst>
+  </p:cSld>
+  <p:clrMapOvr>
+    <a:masterClrMapping/>
+  </p:clrMapOvr>
+</p:notes>
+</file>
+
 <file path=ppt/slideLayouts/slideLayout1.xml><?xml version="1.0" encoding="utf-8"?>
 <p:sldLayout xmlns:a="http://schemas.openxmlformats.org/drawingml/2006/main" xmlns:r="http://schemas.openxmlformats.org/officeDocument/2006/relationships" xmlns:p="http://schemas.openxmlformats.org/presentationml/2006/main" type="title" preserve="1">
   <p:cSld name="Title Slide">
@@ -340,10 +777,9 @@
           <a:bodyPr/>
           <a:lstStyle/>
           <a:p>
-            <a:fld id="{1D8BD707-D9CF-40AE-B4C6-C98DA3205C09}" type="datetimeFigureOut">
+            <a:fld id="{B0A8D073-8F0A-4840-A4BB-35B4627CD529}" type="datetime1">
               <a:rPr lang="en-US" smtClean="0"/>
-              <a:pPr/>
-              <a:t>1/14/16</a:t>
+              <a:t>2/29/16</a:t>
             </a:fld>
             <a:endParaRPr lang="en-US"/>
           </a:p>
@@ -364,6 +800,10 @@
           <a:bodyPr/>
           <a:lstStyle/>
           <a:p>
+            <a:r>
+              <a:rPr lang="en-US" smtClean="0"/>
+              <a:t>Ashim Lamichhane</a:t>
+            </a:r>
             <a:endParaRPr lang="en-US"/>
           </a:p>
         </p:txBody>
@@ -507,10 +947,9 @@
           <a:bodyPr/>
           <a:lstStyle/>
           <a:p>
-            <a:fld id="{1D8BD707-D9CF-40AE-B4C6-C98DA3205C09}" type="datetimeFigureOut">
+            <a:fld id="{91B2B158-9B45-0547-97CB-9F16F5649435}" type="datetime1">
               <a:rPr lang="en-US" smtClean="0"/>
-              <a:pPr/>
-              <a:t>1/14/16</a:t>
+              <a:t>2/29/16</a:t>
             </a:fld>
             <a:endParaRPr lang="en-US"/>
           </a:p>
@@ -531,6 +970,10 @@
           <a:bodyPr/>
           <a:lstStyle/>
           <a:p>
+            <a:r>
+              <a:rPr lang="en-US" smtClean="0"/>
+              <a:t>Ashim Lamichhane</a:t>
+            </a:r>
             <a:endParaRPr lang="en-US"/>
           </a:p>
         </p:txBody>
@@ -684,10 +1127,9 @@
           <a:bodyPr/>
           <a:lstStyle/>
           <a:p>
-            <a:fld id="{1D8BD707-D9CF-40AE-B4C6-C98DA3205C09}" type="datetimeFigureOut">
+            <a:fld id="{76F6FF30-7DDE-FD46-9776-F521664033A1}" type="datetime1">
               <a:rPr lang="en-US" smtClean="0"/>
-              <a:pPr/>
-              <a:t>1/14/16</a:t>
+              <a:t>2/29/16</a:t>
             </a:fld>
             <a:endParaRPr lang="en-US"/>
           </a:p>
@@ -708,6 +1150,10 @@
           <a:bodyPr/>
           <a:lstStyle/>
           <a:p>
+            <a:r>
+              <a:rPr lang="en-US" smtClean="0"/>
+              <a:t>Ashim Lamichhane</a:t>
+            </a:r>
             <a:endParaRPr lang="en-US"/>
           </a:p>
         </p:txBody>
@@ -851,10 +1297,9 @@
           <a:bodyPr/>
           <a:lstStyle/>
           <a:p>
-            <a:fld id="{1D8BD707-D9CF-40AE-B4C6-C98DA3205C09}" type="datetimeFigureOut">
+            <a:fld id="{51AE350D-50F6-1440-B29A-DE0A1345D132}" type="datetime1">
               <a:rPr lang="en-US" smtClean="0"/>
-              <a:pPr/>
-              <a:t>1/14/16</a:t>
+              <a:t>2/29/16</a:t>
             </a:fld>
             <a:endParaRPr lang="en-US"/>
           </a:p>
@@ -875,6 +1320,10 @@
           <a:bodyPr/>
           <a:lstStyle/>
           <a:p>
+            <a:r>
+              <a:rPr lang="en-US" smtClean="0"/>
+              <a:t>Ashim Lamichhane</a:t>
+            </a:r>
             <a:endParaRPr lang="en-US"/>
           </a:p>
         </p:txBody>
@@ -1094,10 +1543,9 @@
           <a:bodyPr/>
           <a:lstStyle/>
           <a:p>
-            <a:fld id="{1D8BD707-D9CF-40AE-B4C6-C98DA3205C09}" type="datetimeFigureOut">
+            <a:fld id="{447B65C4-A012-4046-B36A-0E7A826E6FCB}" type="datetime1">
               <a:rPr lang="en-US" smtClean="0"/>
-              <a:pPr/>
-              <a:t>1/14/16</a:t>
+              <a:t>2/29/16</a:t>
             </a:fld>
             <a:endParaRPr lang="en-US"/>
           </a:p>
@@ -1118,6 +1566,10 @@
           <a:bodyPr/>
           <a:lstStyle/>
           <a:p>
+            <a:r>
+              <a:rPr lang="en-US" smtClean="0"/>
+              <a:t>Ashim Lamichhane</a:t>
+            </a:r>
             <a:endParaRPr lang="en-US"/>
           </a:p>
         </p:txBody>
@@ -1379,10 +1831,9 @@
           <a:bodyPr/>
           <a:lstStyle/>
           <a:p>
-            <a:fld id="{1D8BD707-D9CF-40AE-B4C6-C98DA3205C09}" type="datetimeFigureOut">
+            <a:fld id="{9B17FA5B-25C8-8443-944F-F30DFAC17594}" type="datetime1">
               <a:rPr lang="en-US" smtClean="0"/>
-              <a:pPr/>
-              <a:t>1/14/16</a:t>
+              <a:t>2/29/16</a:t>
             </a:fld>
             <a:endParaRPr lang="en-US"/>
           </a:p>
@@ -1403,6 +1854,10 @@
           <a:bodyPr/>
           <a:lstStyle/>
           <a:p>
+            <a:r>
+              <a:rPr lang="en-US" smtClean="0"/>
+              <a:t>Ashim Lamichhane</a:t>
+            </a:r>
             <a:endParaRPr lang="en-US"/>
           </a:p>
         </p:txBody>
@@ -1798,10 +2253,9 @@
           <a:bodyPr/>
           <a:lstStyle/>
           <a:p>
-            <a:fld id="{1D8BD707-D9CF-40AE-B4C6-C98DA3205C09}" type="datetimeFigureOut">
+            <a:fld id="{AD5E981F-7C62-8342-A6F7-A5D0D853CF24}" type="datetime1">
               <a:rPr lang="en-US" smtClean="0"/>
-              <a:pPr/>
-              <a:t>1/14/16</a:t>
+              <a:t>2/29/16</a:t>
             </a:fld>
             <a:endParaRPr lang="en-US"/>
           </a:p>
@@ -1822,6 +2276,10 @@
           <a:bodyPr/>
           <a:lstStyle/>
           <a:p>
+            <a:r>
+              <a:rPr lang="en-US" smtClean="0"/>
+              <a:t>Ashim Lamichhane</a:t>
+            </a:r>
             <a:endParaRPr lang="en-US"/>
           </a:p>
         </p:txBody>
@@ -1913,10 +2371,9 @@
           <a:bodyPr/>
           <a:lstStyle/>
           <a:p>
-            <a:fld id="{1D8BD707-D9CF-40AE-B4C6-C98DA3205C09}" type="datetimeFigureOut">
+            <a:fld id="{FA4FB61B-72B4-0B4F-BFF9-16B68DD664CF}" type="datetime1">
               <a:rPr lang="en-US" smtClean="0"/>
-              <a:pPr/>
-              <a:t>1/14/16</a:t>
+              <a:t>2/29/16</a:t>
             </a:fld>
             <a:endParaRPr lang="en-US"/>
           </a:p>
@@ -1937,6 +2394,10 @@
           <a:bodyPr/>
           <a:lstStyle/>
           <a:p>
+            <a:r>
+              <a:rPr lang="en-US" smtClean="0"/>
+              <a:t>Ashim Lamichhane</a:t>
+            </a:r>
             <a:endParaRPr lang="en-US"/>
           </a:p>
         </p:txBody>
@@ -2005,10 +2466,9 @@
           <a:bodyPr/>
           <a:lstStyle/>
           <a:p>
-            <a:fld id="{1D8BD707-D9CF-40AE-B4C6-C98DA3205C09}" type="datetimeFigureOut">
+            <a:fld id="{9759A2BB-12BB-9945-8528-399D5A532AF5}" type="datetime1">
               <a:rPr lang="en-US" smtClean="0"/>
-              <a:pPr/>
-              <a:t>1/14/16</a:t>
+              <a:t>2/29/16</a:t>
             </a:fld>
             <a:endParaRPr lang="en-US"/>
           </a:p>
@@ -2029,6 +2489,10 @@
           <a:bodyPr/>
           <a:lstStyle/>
           <a:p>
+            <a:r>
+              <a:rPr lang="en-US" smtClean="0"/>
+              <a:t>Ashim Lamichhane</a:t>
+            </a:r>
             <a:endParaRPr lang="en-US"/>
           </a:p>
         </p:txBody>
@@ -2279,10 +2743,9 @@
           <a:bodyPr/>
           <a:lstStyle/>
           <a:p>
-            <a:fld id="{1D8BD707-D9CF-40AE-B4C6-C98DA3205C09}" type="datetimeFigureOut">
+            <a:fld id="{B4725247-74E6-0C4A-B646-8DC243ED405A}" type="datetime1">
               <a:rPr lang="en-US" smtClean="0"/>
-              <a:pPr/>
-              <a:t>1/14/16</a:t>
+              <a:t>2/29/16</a:t>
             </a:fld>
             <a:endParaRPr lang="en-US"/>
           </a:p>
@@ -2303,6 +2766,10 @@
           <a:bodyPr/>
           <a:lstStyle/>
           <a:p>
+            <a:r>
+              <a:rPr lang="en-US" smtClean="0"/>
+              <a:t>Ashim Lamichhane</a:t>
+            </a:r>
             <a:endParaRPr lang="en-US"/>
           </a:p>
         </p:txBody>
@@ -2529,10 +2996,9 @@
           <a:bodyPr/>
           <a:lstStyle/>
           <a:p>
-            <a:fld id="{1D8BD707-D9CF-40AE-B4C6-C98DA3205C09}" type="datetimeFigureOut">
+            <a:fld id="{AEBBE0D9-74D3-D247-90DB-428ED0FA8663}" type="datetime1">
               <a:rPr lang="en-US" smtClean="0"/>
-              <a:pPr/>
-              <a:t>1/14/16</a:t>
+              <a:t>2/29/16</a:t>
             </a:fld>
             <a:endParaRPr lang="en-US"/>
           </a:p>
@@ -2553,6 +3019,10 @@
           <a:bodyPr/>
           <a:lstStyle/>
           <a:p>
+            <a:r>
+              <a:rPr lang="en-US" smtClean="0"/>
+              <a:t>Ashim Lamichhane</a:t>
+            </a:r>
             <a:endParaRPr lang="en-US"/>
           </a:p>
         </p:txBody>
@@ -2739,10 +3209,9 @@
             </a:lvl1pPr>
           </a:lstStyle>
           <a:p>
-            <a:fld id="{1D8BD707-D9CF-40AE-B4C6-C98DA3205C09}" type="datetimeFigureOut">
+            <a:fld id="{9FC3908A-4294-3D40-919E-F8A2885E7B41}" type="datetime1">
               <a:rPr lang="en-US" smtClean="0"/>
-              <a:pPr/>
-              <a:t>1/14/16</a:t>
+              <a:t>2/29/16</a:t>
             </a:fld>
             <a:endParaRPr lang="en-US"/>
           </a:p>
@@ -2781,6 +3250,10 @@
             </a:lvl1pPr>
           </a:lstStyle>
           <a:p>
+            <a:r>
+              <a:rPr lang="en-US" smtClean="0"/>
+              <a:t>Ashim Lamichhane</a:t>
+            </a:r>
             <a:endParaRPr lang="en-US"/>
           </a:p>
         </p:txBody>
@@ -2843,6 +3316,7 @@
     <p:sldLayoutId id="2147483658" r:id="rId10"/>
     <p:sldLayoutId id="2147483659" r:id="rId11"/>
   </p:sldLayoutIdLst>
+  <p:hf hdr="0" dt="0"/>
   <p:txStyles>
     <p:titleStyle>
       <a:lvl1pPr algn="ctr" defTabSz="914400" rtl="0" eaLnBrk="1" latinLnBrk="0" hangingPunct="1">
@@ -3707,6 +4181,53 @@
           </a:p>
         </p:txBody>
       </p:sp>
+      <p:sp>
+        <p:nvSpPr>
+          <p:cNvPr id="2" name="Footer Placeholder 1"/>
+          <p:cNvSpPr>
+            <a:spLocks noGrp="1"/>
+          </p:cNvSpPr>
+          <p:nvPr>
+            <p:ph type="ftr" sz="quarter" idx="11"/>
+          </p:nvPr>
+        </p:nvSpPr>
+        <p:spPr/>
+        <p:txBody>
+          <a:bodyPr/>
+          <a:lstStyle/>
+          <a:p>
+            <a:r>
+              <a:rPr lang="en-US" smtClean="0"/>
+              <a:t>Ashim Lamichhane</a:t>
+            </a:r>
+            <a:endParaRPr lang="en-US"/>
+          </a:p>
+        </p:txBody>
+      </p:sp>
+      <p:sp>
+        <p:nvSpPr>
+          <p:cNvPr id="4" name="Slide Number Placeholder 3"/>
+          <p:cNvSpPr>
+            <a:spLocks noGrp="1"/>
+          </p:cNvSpPr>
+          <p:nvPr>
+            <p:ph type="sldNum" sz="quarter" idx="12"/>
+          </p:nvPr>
+        </p:nvSpPr>
+        <p:spPr/>
+        <p:txBody>
+          <a:bodyPr/>
+          <a:lstStyle/>
+          <a:p>
+            <a:fld id="{B6F15528-21DE-4FAA-801E-634DDDAF4B2B}" type="slidenum">
+              <a:rPr lang="en-US" smtClean="0"/>
+              <a:pPr/>
+              <a:t>10</a:t>
+            </a:fld>
+            <a:endParaRPr lang="en-US"/>
+          </a:p>
+        </p:txBody>
+      </p:sp>
     </p:spTree>
     <p:extLst>
       <p:ext uri="{BB962C8B-B14F-4D97-AF65-F5344CB8AC3E}">
@@ -4532,6 +5053,53 @@
           </a:graphicData>
         </a:graphic>
       </p:graphicFrame>
+      <p:sp>
+        <p:nvSpPr>
+          <p:cNvPr id="5" name="Footer Placeholder 4"/>
+          <p:cNvSpPr>
+            <a:spLocks noGrp="1"/>
+          </p:cNvSpPr>
+          <p:nvPr>
+            <p:ph type="ftr" sz="quarter" idx="11"/>
+          </p:nvPr>
+        </p:nvSpPr>
+        <p:spPr/>
+        <p:txBody>
+          <a:bodyPr/>
+          <a:lstStyle/>
+          <a:p>
+            <a:r>
+              <a:rPr lang="en-US" smtClean="0"/>
+              <a:t>Ashim Lamichhane</a:t>
+            </a:r>
+            <a:endParaRPr lang="en-US"/>
+          </a:p>
+        </p:txBody>
+      </p:sp>
+      <p:sp>
+        <p:nvSpPr>
+          <p:cNvPr id="6" name="Slide Number Placeholder 5"/>
+          <p:cNvSpPr>
+            <a:spLocks noGrp="1"/>
+          </p:cNvSpPr>
+          <p:nvPr>
+            <p:ph type="sldNum" sz="quarter" idx="12"/>
+          </p:nvPr>
+        </p:nvSpPr>
+        <p:spPr/>
+        <p:txBody>
+          <a:bodyPr/>
+          <a:lstStyle/>
+          <a:p>
+            <a:fld id="{B6F15528-21DE-4FAA-801E-634DDDAF4B2B}" type="slidenum">
+              <a:rPr lang="en-US" smtClean="0"/>
+              <a:pPr/>
+              <a:t>11</a:t>
+            </a:fld>
+            <a:endParaRPr lang="en-US"/>
+          </a:p>
+        </p:txBody>
+      </p:sp>
     </p:spTree>
     <p:extLst>
       <p:ext uri="{BB962C8B-B14F-4D97-AF65-F5344CB8AC3E}">
@@ -4892,6 +5460,53 @@
           </a:p>
         </p:txBody>
       </p:sp>
+      <p:sp>
+        <p:nvSpPr>
+          <p:cNvPr id="2" name="Footer Placeholder 1"/>
+          <p:cNvSpPr>
+            <a:spLocks noGrp="1"/>
+          </p:cNvSpPr>
+          <p:nvPr>
+            <p:ph type="ftr" sz="quarter" idx="11"/>
+          </p:nvPr>
+        </p:nvSpPr>
+        <p:spPr/>
+        <p:txBody>
+          <a:bodyPr/>
+          <a:lstStyle/>
+          <a:p>
+            <a:r>
+              <a:rPr lang="en-US" smtClean="0"/>
+              <a:t>Ashim Lamichhane</a:t>
+            </a:r>
+            <a:endParaRPr lang="en-US"/>
+          </a:p>
+        </p:txBody>
+      </p:sp>
+      <p:sp>
+        <p:nvSpPr>
+          <p:cNvPr id="4" name="Slide Number Placeholder 3"/>
+          <p:cNvSpPr>
+            <a:spLocks noGrp="1"/>
+          </p:cNvSpPr>
+          <p:nvPr>
+            <p:ph type="sldNum" sz="quarter" idx="12"/>
+          </p:nvPr>
+        </p:nvSpPr>
+        <p:spPr/>
+        <p:txBody>
+          <a:bodyPr/>
+          <a:lstStyle/>
+          <a:p>
+            <a:fld id="{B6F15528-21DE-4FAA-801E-634DDDAF4B2B}" type="slidenum">
+              <a:rPr lang="en-US" smtClean="0"/>
+              <a:pPr/>
+              <a:t>12</a:t>
+            </a:fld>
+            <a:endParaRPr lang="en-US"/>
+          </a:p>
+        </p:txBody>
+      </p:sp>
     </p:spTree>
     <p:extLst>
       <p:ext uri="{BB962C8B-B14F-4D97-AF65-F5344CB8AC3E}">
@@ -6120,6 +6735,53 @@
           </a:graphicData>
         </a:graphic>
       </p:graphicFrame>
+      <p:sp>
+        <p:nvSpPr>
+          <p:cNvPr id="3" name="Footer Placeholder 2"/>
+          <p:cNvSpPr>
+            <a:spLocks noGrp="1"/>
+          </p:cNvSpPr>
+          <p:nvPr>
+            <p:ph type="ftr" sz="quarter" idx="11"/>
+          </p:nvPr>
+        </p:nvSpPr>
+        <p:spPr/>
+        <p:txBody>
+          <a:bodyPr/>
+          <a:lstStyle/>
+          <a:p>
+            <a:r>
+              <a:rPr lang="en-US" smtClean="0"/>
+              <a:t>Ashim Lamichhane</a:t>
+            </a:r>
+            <a:endParaRPr lang="en-US"/>
+          </a:p>
+        </p:txBody>
+      </p:sp>
+      <p:sp>
+        <p:nvSpPr>
+          <p:cNvPr id="5" name="Slide Number Placeholder 4"/>
+          <p:cNvSpPr>
+            <a:spLocks noGrp="1"/>
+          </p:cNvSpPr>
+          <p:nvPr>
+            <p:ph type="sldNum" sz="quarter" idx="12"/>
+          </p:nvPr>
+        </p:nvSpPr>
+        <p:spPr/>
+        <p:txBody>
+          <a:bodyPr/>
+          <a:lstStyle/>
+          <a:p>
+            <a:fld id="{B6F15528-21DE-4FAA-801E-634DDDAF4B2B}" type="slidenum">
+              <a:rPr lang="en-US" smtClean="0"/>
+              <a:pPr/>
+              <a:t>13</a:t>
+            </a:fld>
+            <a:endParaRPr lang="en-US"/>
+          </a:p>
+        </p:txBody>
+      </p:sp>
     </p:spTree>
     <p:extLst>
       <p:ext uri="{BB962C8B-B14F-4D97-AF65-F5344CB8AC3E}">
@@ -7193,6 +7855,53 @@
           </a:graphicData>
         </a:graphic>
       </p:graphicFrame>
+      <p:sp>
+        <p:nvSpPr>
+          <p:cNvPr id="5" name="Footer Placeholder 4"/>
+          <p:cNvSpPr>
+            <a:spLocks noGrp="1"/>
+          </p:cNvSpPr>
+          <p:nvPr>
+            <p:ph type="ftr" sz="quarter" idx="11"/>
+          </p:nvPr>
+        </p:nvSpPr>
+        <p:spPr/>
+        <p:txBody>
+          <a:bodyPr/>
+          <a:lstStyle/>
+          <a:p>
+            <a:r>
+              <a:rPr lang="en-US" smtClean="0"/>
+              <a:t>Ashim Lamichhane</a:t>
+            </a:r>
+            <a:endParaRPr lang="en-US"/>
+          </a:p>
+        </p:txBody>
+      </p:sp>
+      <p:sp>
+        <p:nvSpPr>
+          <p:cNvPr id="6" name="Slide Number Placeholder 5"/>
+          <p:cNvSpPr>
+            <a:spLocks noGrp="1"/>
+          </p:cNvSpPr>
+          <p:nvPr>
+            <p:ph type="sldNum" sz="quarter" idx="12"/>
+          </p:nvPr>
+        </p:nvSpPr>
+        <p:spPr/>
+        <p:txBody>
+          <a:bodyPr/>
+          <a:lstStyle/>
+          <a:p>
+            <a:fld id="{B6F15528-21DE-4FAA-801E-634DDDAF4B2B}" type="slidenum">
+              <a:rPr lang="en-US" smtClean="0"/>
+              <a:pPr/>
+              <a:t>14</a:t>
+            </a:fld>
+            <a:endParaRPr lang="en-US"/>
+          </a:p>
+        </p:txBody>
+      </p:sp>
     </p:spTree>
     <p:extLst>
       <p:ext uri="{BB962C8B-B14F-4D97-AF65-F5344CB8AC3E}">
@@ -7350,6 +8059,53 @@
           </a:p>
         </p:txBody>
       </p:sp>
+      <p:sp>
+        <p:nvSpPr>
+          <p:cNvPr id="2" name="Footer Placeholder 1"/>
+          <p:cNvSpPr>
+            <a:spLocks noGrp="1"/>
+          </p:cNvSpPr>
+          <p:nvPr>
+            <p:ph type="ftr" sz="quarter" idx="11"/>
+          </p:nvPr>
+        </p:nvSpPr>
+        <p:spPr/>
+        <p:txBody>
+          <a:bodyPr/>
+          <a:lstStyle/>
+          <a:p>
+            <a:r>
+              <a:rPr lang="en-US" smtClean="0"/>
+              <a:t>Ashim Lamichhane</a:t>
+            </a:r>
+            <a:endParaRPr lang="en-US"/>
+          </a:p>
+        </p:txBody>
+      </p:sp>
+      <p:sp>
+        <p:nvSpPr>
+          <p:cNvPr id="4" name="Slide Number Placeholder 3"/>
+          <p:cNvSpPr>
+            <a:spLocks noGrp="1"/>
+          </p:cNvSpPr>
+          <p:nvPr>
+            <p:ph type="sldNum" sz="quarter" idx="12"/>
+          </p:nvPr>
+        </p:nvSpPr>
+        <p:spPr/>
+        <p:txBody>
+          <a:bodyPr/>
+          <a:lstStyle/>
+          <a:p>
+            <a:fld id="{B6F15528-21DE-4FAA-801E-634DDDAF4B2B}" type="slidenum">
+              <a:rPr lang="en-US" smtClean="0"/>
+              <a:pPr/>
+              <a:t>15</a:t>
+            </a:fld>
+            <a:endParaRPr lang="en-US"/>
+          </a:p>
+        </p:txBody>
+      </p:sp>
     </p:spTree>
     <p:extLst>
       <p:ext uri="{BB962C8B-B14F-4D97-AF65-F5344CB8AC3E}">
@@ -7567,6 +8323,53 @@
           </a:p>
         </p:txBody>
       </p:sp>
+      <p:sp>
+        <p:nvSpPr>
+          <p:cNvPr id="2" name="Footer Placeholder 1"/>
+          <p:cNvSpPr>
+            <a:spLocks noGrp="1"/>
+          </p:cNvSpPr>
+          <p:nvPr>
+            <p:ph type="ftr" sz="quarter" idx="11"/>
+          </p:nvPr>
+        </p:nvSpPr>
+        <p:spPr/>
+        <p:txBody>
+          <a:bodyPr/>
+          <a:lstStyle/>
+          <a:p>
+            <a:r>
+              <a:rPr lang="en-US" smtClean="0"/>
+              <a:t>Ashim Lamichhane</a:t>
+            </a:r>
+            <a:endParaRPr lang="en-US"/>
+          </a:p>
+        </p:txBody>
+      </p:sp>
+      <p:sp>
+        <p:nvSpPr>
+          <p:cNvPr id="4" name="Slide Number Placeholder 3"/>
+          <p:cNvSpPr>
+            <a:spLocks noGrp="1"/>
+          </p:cNvSpPr>
+          <p:nvPr>
+            <p:ph type="sldNum" sz="quarter" idx="12"/>
+          </p:nvPr>
+        </p:nvSpPr>
+        <p:spPr/>
+        <p:txBody>
+          <a:bodyPr/>
+          <a:lstStyle/>
+          <a:p>
+            <a:fld id="{B6F15528-21DE-4FAA-801E-634DDDAF4B2B}" type="slidenum">
+              <a:rPr lang="en-US" smtClean="0"/>
+              <a:pPr/>
+              <a:t>16</a:t>
+            </a:fld>
+            <a:endParaRPr lang="en-US"/>
+          </a:p>
+        </p:txBody>
+      </p:sp>
     </p:spTree>
     <p:extLst>
       <p:ext uri="{BB962C8B-B14F-4D97-AF65-F5344CB8AC3E}">
@@ -7863,6 +8666,53 @@
           </a:p>
         </p:txBody>
       </p:sp>
+      <p:sp>
+        <p:nvSpPr>
+          <p:cNvPr id="4" name="Footer Placeholder 3"/>
+          <p:cNvSpPr>
+            <a:spLocks noGrp="1"/>
+          </p:cNvSpPr>
+          <p:nvPr>
+            <p:ph type="ftr" sz="quarter" idx="11"/>
+          </p:nvPr>
+        </p:nvSpPr>
+        <p:spPr/>
+        <p:txBody>
+          <a:bodyPr/>
+          <a:lstStyle/>
+          <a:p>
+            <a:r>
+              <a:rPr lang="en-US" smtClean="0"/>
+              <a:t>Ashim Lamichhane</a:t>
+            </a:r>
+            <a:endParaRPr lang="en-US"/>
+          </a:p>
+        </p:txBody>
+      </p:sp>
+      <p:sp>
+        <p:nvSpPr>
+          <p:cNvPr id="5" name="Slide Number Placeholder 4"/>
+          <p:cNvSpPr>
+            <a:spLocks noGrp="1"/>
+          </p:cNvSpPr>
+          <p:nvPr>
+            <p:ph type="sldNum" sz="quarter" idx="12"/>
+          </p:nvPr>
+        </p:nvSpPr>
+        <p:spPr/>
+        <p:txBody>
+          <a:bodyPr/>
+          <a:lstStyle/>
+          <a:p>
+            <a:fld id="{B6F15528-21DE-4FAA-801E-634DDDAF4B2B}" type="slidenum">
+              <a:rPr lang="en-US" smtClean="0"/>
+              <a:pPr/>
+              <a:t>17</a:t>
+            </a:fld>
+            <a:endParaRPr lang="en-US"/>
+          </a:p>
+        </p:txBody>
+      </p:sp>
     </p:spTree>
     <p:extLst>
       <p:ext uri="{BB962C8B-B14F-4D97-AF65-F5344CB8AC3E}">
@@ -8037,6 +8887,53 @@
           </a:p>
         </p:txBody>
       </p:sp>
+      <p:sp>
+        <p:nvSpPr>
+          <p:cNvPr id="2" name="Footer Placeholder 1"/>
+          <p:cNvSpPr>
+            <a:spLocks noGrp="1"/>
+          </p:cNvSpPr>
+          <p:nvPr>
+            <p:ph type="ftr" sz="quarter" idx="11"/>
+          </p:nvPr>
+        </p:nvSpPr>
+        <p:spPr/>
+        <p:txBody>
+          <a:bodyPr/>
+          <a:lstStyle/>
+          <a:p>
+            <a:r>
+              <a:rPr lang="en-US" smtClean="0"/>
+              <a:t>Ashim Lamichhane</a:t>
+            </a:r>
+            <a:endParaRPr lang="en-US"/>
+          </a:p>
+        </p:txBody>
+      </p:sp>
+      <p:sp>
+        <p:nvSpPr>
+          <p:cNvPr id="4" name="Slide Number Placeholder 3"/>
+          <p:cNvSpPr>
+            <a:spLocks noGrp="1"/>
+          </p:cNvSpPr>
+          <p:nvPr>
+            <p:ph type="sldNum" sz="quarter" idx="12"/>
+          </p:nvPr>
+        </p:nvSpPr>
+        <p:spPr/>
+        <p:txBody>
+          <a:bodyPr/>
+          <a:lstStyle/>
+          <a:p>
+            <a:fld id="{B6F15528-21DE-4FAA-801E-634DDDAF4B2B}" type="slidenum">
+              <a:rPr lang="en-US" smtClean="0"/>
+              <a:pPr/>
+              <a:t>18</a:t>
+            </a:fld>
+            <a:endParaRPr lang="en-US"/>
+          </a:p>
+        </p:txBody>
+      </p:sp>
     </p:spTree>
     <p:extLst>
       <p:ext uri="{BB962C8B-B14F-4D97-AF65-F5344CB8AC3E}">
@@ -8205,6 +9102,53 @@
           </a:p>
         </p:txBody>
       </p:sp>
+      <p:sp>
+        <p:nvSpPr>
+          <p:cNvPr id="4" name="Footer Placeholder 3"/>
+          <p:cNvSpPr>
+            <a:spLocks noGrp="1"/>
+          </p:cNvSpPr>
+          <p:nvPr>
+            <p:ph type="ftr" sz="quarter" idx="11"/>
+          </p:nvPr>
+        </p:nvSpPr>
+        <p:spPr/>
+        <p:txBody>
+          <a:bodyPr/>
+          <a:lstStyle/>
+          <a:p>
+            <a:r>
+              <a:rPr lang="en-US" smtClean="0"/>
+              <a:t>Ashim Lamichhane</a:t>
+            </a:r>
+            <a:endParaRPr lang="en-US"/>
+          </a:p>
+        </p:txBody>
+      </p:sp>
+      <p:sp>
+        <p:nvSpPr>
+          <p:cNvPr id="5" name="Slide Number Placeholder 4"/>
+          <p:cNvSpPr>
+            <a:spLocks noGrp="1"/>
+          </p:cNvSpPr>
+          <p:nvPr>
+            <p:ph type="sldNum" sz="quarter" idx="12"/>
+          </p:nvPr>
+        </p:nvSpPr>
+        <p:spPr/>
+        <p:txBody>
+          <a:bodyPr/>
+          <a:lstStyle/>
+          <a:p>
+            <a:fld id="{B6F15528-21DE-4FAA-801E-634DDDAF4B2B}" type="slidenum">
+              <a:rPr lang="en-US" smtClean="0"/>
+              <a:pPr/>
+              <a:t>19</a:t>
+            </a:fld>
+            <a:endParaRPr lang="en-US"/>
+          </a:p>
+        </p:txBody>
+      </p:sp>
     </p:spTree>
     <p:extLst>
       <p:ext uri="{BB962C8B-B14F-4D97-AF65-F5344CB8AC3E}">
@@ -8374,6 +9318,53 @@
           </a:p>
         </p:txBody>
       </p:sp>
+      <p:sp>
+        <p:nvSpPr>
+          <p:cNvPr id="4" name="Footer Placeholder 3"/>
+          <p:cNvSpPr>
+            <a:spLocks noGrp="1"/>
+          </p:cNvSpPr>
+          <p:nvPr>
+            <p:ph type="ftr" sz="quarter" idx="11"/>
+          </p:nvPr>
+        </p:nvSpPr>
+        <p:spPr/>
+        <p:txBody>
+          <a:bodyPr/>
+          <a:lstStyle/>
+          <a:p>
+            <a:r>
+              <a:rPr lang="en-US" smtClean="0"/>
+              <a:t>Ashim Lamichhane</a:t>
+            </a:r>
+            <a:endParaRPr lang="en-US"/>
+          </a:p>
+        </p:txBody>
+      </p:sp>
+      <p:sp>
+        <p:nvSpPr>
+          <p:cNvPr id="5" name="Slide Number Placeholder 4"/>
+          <p:cNvSpPr>
+            <a:spLocks noGrp="1"/>
+          </p:cNvSpPr>
+          <p:nvPr>
+            <p:ph type="sldNum" sz="quarter" idx="12"/>
+          </p:nvPr>
+        </p:nvSpPr>
+        <p:spPr/>
+        <p:txBody>
+          <a:bodyPr/>
+          <a:lstStyle/>
+          <a:p>
+            <a:fld id="{B6F15528-21DE-4FAA-801E-634DDDAF4B2B}" type="slidenum">
+              <a:rPr lang="en-US" smtClean="0"/>
+              <a:pPr/>
+              <a:t>2</a:t>
+            </a:fld>
+            <a:endParaRPr lang="en-US"/>
+          </a:p>
+        </p:txBody>
+      </p:sp>
     </p:spTree>
     <p:extLst>
       <p:ext uri="{BB962C8B-B14F-4D97-AF65-F5344CB8AC3E}">
@@ -8531,6 +9522,53 @@
           </a:p>
         </p:txBody>
       </p:sp>
+      <p:sp>
+        <p:nvSpPr>
+          <p:cNvPr id="4" name="Footer Placeholder 3"/>
+          <p:cNvSpPr>
+            <a:spLocks noGrp="1"/>
+          </p:cNvSpPr>
+          <p:nvPr>
+            <p:ph type="ftr" sz="quarter" idx="11"/>
+          </p:nvPr>
+        </p:nvSpPr>
+        <p:spPr/>
+        <p:txBody>
+          <a:bodyPr/>
+          <a:lstStyle/>
+          <a:p>
+            <a:r>
+              <a:rPr lang="en-US" smtClean="0"/>
+              <a:t>Ashim Lamichhane</a:t>
+            </a:r>
+            <a:endParaRPr lang="en-US"/>
+          </a:p>
+        </p:txBody>
+      </p:sp>
+      <p:sp>
+        <p:nvSpPr>
+          <p:cNvPr id="5" name="Slide Number Placeholder 4"/>
+          <p:cNvSpPr>
+            <a:spLocks noGrp="1"/>
+          </p:cNvSpPr>
+          <p:nvPr>
+            <p:ph type="sldNum" sz="quarter" idx="12"/>
+          </p:nvPr>
+        </p:nvSpPr>
+        <p:spPr/>
+        <p:txBody>
+          <a:bodyPr/>
+          <a:lstStyle/>
+          <a:p>
+            <a:fld id="{B6F15528-21DE-4FAA-801E-634DDDAF4B2B}" type="slidenum">
+              <a:rPr lang="en-US" smtClean="0"/>
+              <a:pPr/>
+              <a:t>20</a:t>
+            </a:fld>
+            <a:endParaRPr lang="en-US"/>
+          </a:p>
+        </p:txBody>
+      </p:sp>
     </p:spTree>
     <p:extLst>
       <p:ext uri="{BB962C8B-B14F-4D97-AF65-F5344CB8AC3E}">
@@ -8740,6 +9778,53 @@
           </a:p>
         </p:txBody>
       </p:sp>
+      <p:sp>
+        <p:nvSpPr>
+          <p:cNvPr id="4" name="Footer Placeholder 3"/>
+          <p:cNvSpPr>
+            <a:spLocks noGrp="1"/>
+          </p:cNvSpPr>
+          <p:nvPr>
+            <p:ph type="ftr" sz="quarter" idx="11"/>
+          </p:nvPr>
+        </p:nvSpPr>
+        <p:spPr/>
+        <p:txBody>
+          <a:bodyPr/>
+          <a:lstStyle/>
+          <a:p>
+            <a:r>
+              <a:rPr lang="en-US" smtClean="0"/>
+              <a:t>Ashim Lamichhane</a:t>
+            </a:r>
+            <a:endParaRPr lang="en-US"/>
+          </a:p>
+        </p:txBody>
+      </p:sp>
+      <p:sp>
+        <p:nvSpPr>
+          <p:cNvPr id="5" name="Slide Number Placeholder 4"/>
+          <p:cNvSpPr>
+            <a:spLocks noGrp="1"/>
+          </p:cNvSpPr>
+          <p:nvPr>
+            <p:ph type="sldNum" sz="quarter" idx="12"/>
+          </p:nvPr>
+        </p:nvSpPr>
+        <p:spPr/>
+        <p:txBody>
+          <a:bodyPr/>
+          <a:lstStyle/>
+          <a:p>
+            <a:fld id="{B6F15528-21DE-4FAA-801E-634DDDAF4B2B}" type="slidenum">
+              <a:rPr lang="en-US" smtClean="0"/>
+              <a:pPr/>
+              <a:t>21</a:t>
+            </a:fld>
+            <a:endParaRPr lang="en-US"/>
+          </a:p>
+        </p:txBody>
+      </p:sp>
     </p:spTree>
     <p:extLst>
       <p:ext uri="{BB962C8B-B14F-4D97-AF65-F5344CB8AC3E}">
@@ -8956,6 +10041,53 @@
           </a:p>
         </p:txBody>
       </p:sp>
+      <p:sp>
+        <p:nvSpPr>
+          <p:cNvPr id="4" name="Footer Placeholder 3"/>
+          <p:cNvSpPr>
+            <a:spLocks noGrp="1"/>
+          </p:cNvSpPr>
+          <p:nvPr>
+            <p:ph type="ftr" sz="quarter" idx="11"/>
+          </p:nvPr>
+        </p:nvSpPr>
+        <p:spPr/>
+        <p:txBody>
+          <a:bodyPr/>
+          <a:lstStyle/>
+          <a:p>
+            <a:r>
+              <a:rPr lang="en-US" smtClean="0"/>
+              <a:t>Ashim Lamichhane</a:t>
+            </a:r>
+            <a:endParaRPr lang="en-US"/>
+          </a:p>
+        </p:txBody>
+      </p:sp>
+      <p:sp>
+        <p:nvSpPr>
+          <p:cNvPr id="5" name="Slide Number Placeholder 4"/>
+          <p:cNvSpPr>
+            <a:spLocks noGrp="1"/>
+          </p:cNvSpPr>
+          <p:nvPr>
+            <p:ph type="sldNum" sz="quarter" idx="12"/>
+          </p:nvPr>
+        </p:nvSpPr>
+        <p:spPr/>
+        <p:txBody>
+          <a:bodyPr/>
+          <a:lstStyle/>
+          <a:p>
+            <a:fld id="{B6F15528-21DE-4FAA-801E-634DDDAF4B2B}" type="slidenum">
+              <a:rPr lang="en-US" smtClean="0"/>
+              <a:pPr/>
+              <a:t>22</a:t>
+            </a:fld>
+            <a:endParaRPr lang="en-US"/>
+          </a:p>
+        </p:txBody>
+      </p:sp>
     </p:spTree>
     <p:extLst>
       <p:ext uri="{BB962C8B-B14F-4D97-AF65-F5344CB8AC3E}">
@@ -9142,6 +10274,53 @@
           </a:p>
         </p:txBody>
       </p:sp>
+      <p:sp>
+        <p:nvSpPr>
+          <p:cNvPr id="4" name="Footer Placeholder 3"/>
+          <p:cNvSpPr>
+            <a:spLocks noGrp="1"/>
+          </p:cNvSpPr>
+          <p:nvPr>
+            <p:ph type="ftr" sz="quarter" idx="11"/>
+          </p:nvPr>
+        </p:nvSpPr>
+        <p:spPr/>
+        <p:txBody>
+          <a:bodyPr/>
+          <a:lstStyle/>
+          <a:p>
+            <a:r>
+              <a:rPr lang="en-US" smtClean="0"/>
+              <a:t>Ashim Lamichhane</a:t>
+            </a:r>
+            <a:endParaRPr lang="en-US"/>
+          </a:p>
+        </p:txBody>
+      </p:sp>
+      <p:sp>
+        <p:nvSpPr>
+          <p:cNvPr id="5" name="Slide Number Placeholder 4"/>
+          <p:cNvSpPr>
+            <a:spLocks noGrp="1"/>
+          </p:cNvSpPr>
+          <p:nvPr>
+            <p:ph type="sldNum" sz="quarter" idx="12"/>
+          </p:nvPr>
+        </p:nvSpPr>
+        <p:spPr/>
+        <p:txBody>
+          <a:bodyPr/>
+          <a:lstStyle/>
+          <a:p>
+            <a:fld id="{B6F15528-21DE-4FAA-801E-634DDDAF4B2B}" type="slidenum">
+              <a:rPr lang="en-US" smtClean="0"/>
+              <a:pPr/>
+              <a:t>23</a:t>
+            </a:fld>
+            <a:endParaRPr lang="en-US"/>
+          </a:p>
+        </p:txBody>
+      </p:sp>
     </p:spTree>
     <p:extLst>
       <p:ext uri="{BB962C8B-B14F-4D97-AF65-F5344CB8AC3E}">
@@ -9441,6 +10620,53 @@
           </a:p>
         </p:txBody>
       </p:sp>
+      <p:sp>
+        <p:nvSpPr>
+          <p:cNvPr id="2" name="Footer Placeholder 1"/>
+          <p:cNvSpPr>
+            <a:spLocks noGrp="1"/>
+          </p:cNvSpPr>
+          <p:nvPr>
+            <p:ph type="ftr" sz="quarter" idx="11"/>
+          </p:nvPr>
+        </p:nvSpPr>
+        <p:spPr/>
+        <p:txBody>
+          <a:bodyPr/>
+          <a:lstStyle/>
+          <a:p>
+            <a:r>
+              <a:rPr lang="en-US" smtClean="0"/>
+              <a:t>Ashim Lamichhane</a:t>
+            </a:r>
+            <a:endParaRPr lang="en-US"/>
+          </a:p>
+        </p:txBody>
+      </p:sp>
+      <p:sp>
+        <p:nvSpPr>
+          <p:cNvPr id="4" name="Slide Number Placeholder 3"/>
+          <p:cNvSpPr>
+            <a:spLocks noGrp="1"/>
+          </p:cNvSpPr>
+          <p:nvPr>
+            <p:ph type="sldNum" sz="quarter" idx="12"/>
+          </p:nvPr>
+        </p:nvSpPr>
+        <p:spPr/>
+        <p:txBody>
+          <a:bodyPr/>
+          <a:lstStyle/>
+          <a:p>
+            <a:fld id="{B6F15528-21DE-4FAA-801E-634DDDAF4B2B}" type="slidenum">
+              <a:rPr lang="en-US" smtClean="0"/>
+              <a:pPr/>
+              <a:t>24</a:t>
+            </a:fld>
+            <a:endParaRPr lang="en-US"/>
+          </a:p>
+        </p:txBody>
+      </p:sp>
     </p:spTree>
     <p:extLst>
       <p:ext uri="{BB962C8B-B14F-4D97-AF65-F5344CB8AC3E}">
@@ -9556,6 +10782,53 @@
               <a:t>Right shift ( &gt;&gt; )</a:t>
             </a:r>
             <a:endParaRPr lang="en-US" dirty="0"/>
+          </a:p>
+        </p:txBody>
+      </p:sp>
+      <p:sp>
+        <p:nvSpPr>
+          <p:cNvPr id="4" name="Footer Placeholder 3"/>
+          <p:cNvSpPr>
+            <a:spLocks noGrp="1"/>
+          </p:cNvSpPr>
+          <p:nvPr>
+            <p:ph type="ftr" sz="quarter" idx="11"/>
+          </p:nvPr>
+        </p:nvSpPr>
+        <p:spPr/>
+        <p:txBody>
+          <a:bodyPr/>
+          <a:lstStyle/>
+          <a:p>
+            <a:r>
+              <a:rPr lang="en-US" smtClean="0"/>
+              <a:t>Ashim Lamichhane</a:t>
+            </a:r>
+            <a:endParaRPr lang="en-US"/>
+          </a:p>
+        </p:txBody>
+      </p:sp>
+      <p:sp>
+        <p:nvSpPr>
+          <p:cNvPr id="5" name="Slide Number Placeholder 4"/>
+          <p:cNvSpPr>
+            <a:spLocks noGrp="1"/>
+          </p:cNvSpPr>
+          <p:nvPr>
+            <p:ph type="sldNum" sz="quarter" idx="12"/>
+          </p:nvPr>
+        </p:nvSpPr>
+        <p:spPr/>
+        <p:txBody>
+          <a:bodyPr/>
+          <a:lstStyle/>
+          <a:p>
+            <a:fld id="{B6F15528-21DE-4FAA-801E-634DDDAF4B2B}" type="slidenum">
+              <a:rPr lang="en-US" smtClean="0"/>
+              <a:pPr/>
+              <a:t>25</a:t>
+            </a:fld>
+            <a:endParaRPr lang="en-US"/>
           </a:p>
         </p:txBody>
       </p:sp>
@@ -9881,6 +11154,53 @@
           </a:graphicData>
         </a:graphic>
       </p:graphicFrame>
+      <p:sp>
+        <p:nvSpPr>
+          <p:cNvPr id="2" name="Footer Placeholder 1"/>
+          <p:cNvSpPr>
+            <a:spLocks noGrp="1"/>
+          </p:cNvSpPr>
+          <p:nvPr>
+            <p:ph type="ftr" sz="quarter" idx="11"/>
+          </p:nvPr>
+        </p:nvSpPr>
+        <p:spPr/>
+        <p:txBody>
+          <a:bodyPr/>
+          <a:lstStyle/>
+          <a:p>
+            <a:r>
+              <a:rPr lang="en-US" smtClean="0"/>
+              <a:t>Ashim Lamichhane</a:t>
+            </a:r>
+            <a:endParaRPr lang="en-US"/>
+          </a:p>
+        </p:txBody>
+      </p:sp>
+      <p:sp>
+        <p:nvSpPr>
+          <p:cNvPr id="5" name="Slide Number Placeholder 4"/>
+          <p:cNvSpPr>
+            <a:spLocks noGrp="1"/>
+          </p:cNvSpPr>
+          <p:nvPr>
+            <p:ph type="sldNum" sz="quarter" idx="12"/>
+          </p:nvPr>
+        </p:nvSpPr>
+        <p:spPr/>
+        <p:txBody>
+          <a:bodyPr/>
+          <a:lstStyle/>
+          <a:p>
+            <a:fld id="{B6F15528-21DE-4FAA-801E-634DDDAF4B2B}" type="slidenum">
+              <a:rPr lang="en-US" smtClean="0"/>
+              <a:pPr/>
+              <a:t>26</a:t>
+            </a:fld>
+            <a:endParaRPr lang="en-US"/>
+          </a:p>
+        </p:txBody>
+      </p:sp>
     </p:spTree>
     <p:extLst>
       <p:ext uri="{BB962C8B-B14F-4D97-AF65-F5344CB8AC3E}">
@@ -10211,6 +11531,53 @@
           </a:graphicData>
         </a:graphic>
       </p:graphicFrame>
+      <p:sp>
+        <p:nvSpPr>
+          <p:cNvPr id="2" name="Footer Placeholder 1"/>
+          <p:cNvSpPr>
+            <a:spLocks noGrp="1"/>
+          </p:cNvSpPr>
+          <p:nvPr>
+            <p:ph type="ftr" sz="quarter" idx="11"/>
+          </p:nvPr>
+        </p:nvSpPr>
+        <p:spPr/>
+        <p:txBody>
+          <a:bodyPr/>
+          <a:lstStyle/>
+          <a:p>
+            <a:r>
+              <a:rPr lang="en-US" smtClean="0"/>
+              <a:t>Ashim Lamichhane</a:t>
+            </a:r>
+            <a:endParaRPr lang="en-US"/>
+          </a:p>
+        </p:txBody>
+      </p:sp>
+      <p:sp>
+        <p:nvSpPr>
+          <p:cNvPr id="5" name="Slide Number Placeholder 4"/>
+          <p:cNvSpPr>
+            <a:spLocks noGrp="1"/>
+          </p:cNvSpPr>
+          <p:nvPr>
+            <p:ph type="sldNum" sz="quarter" idx="12"/>
+          </p:nvPr>
+        </p:nvSpPr>
+        <p:spPr/>
+        <p:txBody>
+          <a:bodyPr/>
+          <a:lstStyle/>
+          <a:p>
+            <a:fld id="{B6F15528-21DE-4FAA-801E-634DDDAF4B2B}" type="slidenum">
+              <a:rPr lang="en-US" smtClean="0"/>
+              <a:pPr/>
+              <a:t>27</a:t>
+            </a:fld>
+            <a:endParaRPr lang="en-US"/>
+          </a:p>
+        </p:txBody>
+      </p:sp>
     </p:spTree>
     <p:extLst>
       <p:ext uri="{BB962C8B-B14F-4D97-AF65-F5344CB8AC3E}">
@@ -10327,6 +11694,53 @@
           </a:p>
         </p:txBody>
       </p:sp>
+      <p:sp>
+        <p:nvSpPr>
+          <p:cNvPr id="4" name="Footer Placeholder 3"/>
+          <p:cNvSpPr>
+            <a:spLocks noGrp="1"/>
+          </p:cNvSpPr>
+          <p:nvPr>
+            <p:ph type="ftr" sz="quarter" idx="11"/>
+          </p:nvPr>
+        </p:nvSpPr>
+        <p:spPr/>
+        <p:txBody>
+          <a:bodyPr/>
+          <a:lstStyle/>
+          <a:p>
+            <a:r>
+              <a:rPr lang="en-US" smtClean="0"/>
+              <a:t>Ashim Lamichhane</a:t>
+            </a:r>
+            <a:endParaRPr lang="en-US"/>
+          </a:p>
+        </p:txBody>
+      </p:sp>
+      <p:sp>
+        <p:nvSpPr>
+          <p:cNvPr id="5" name="Slide Number Placeholder 4"/>
+          <p:cNvSpPr>
+            <a:spLocks noGrp="1"/>
+          </p:cNvSpPr>
+          <p:nvPr>
+            <p:ph type="sldNum" sz="quarter" idx="12"/>
+          </p:nvPr>
+        </p:nvSpPr>
+        <p:spPr/>
+        <p:txBody>
+          <a:bodyPr/>
+          <a:lstStyle/>
+          <a:p>
+            <a:fld id="{B6F15528-21DE-4FAA-801E-634DDDAF4B2B}" type="slidenum">
+              <a:rPr lang="en-US" smtClean="0"/>
+              <a:pPr/>
+              <a:t>28</a:t>
+            </a:fld>
+            <a:endParaRPr lang="en-US"/>
+          </a:p>
+        </p:txBody>
+      </p:sp>
     </p:spTree>
     <p:extLst>
       <p:ext uri="{BB962C8B-B14F-4D97-AF65-F5344CB8AC3E}">
@@ -10520,6 +11934,53 @@
           </a:p>
         </p:txBody>
       </p:sp>
+      <p:sp>
+        <p:nvSpPr>
+          <p:cNvPr id="2" name="Footer Placeholder 1"/>
+          <p:cNvSpPr>
+            <a:spLocks noGrp="1"/>
+          </p:cNvSpPr>
+          <p:nvPr>
+            <p:ph type="ftr" sz="quarter" idx="11"/>
+          </p:nvPr>
+        </p:nvSpPr>
+        <p:spPr/>
+        <p:txBody>
+          <a:bodyPr/>
+          <a:lstStyle/>
+          <a:p>
+            <a:r>
+              <a:rPr lang="en-US" smtClean="0"/>
+              <a:t>Ashim Lamichhane</a:t>
+            </a:r>
+            <a:endParaRPr lang="en-US"/>
+          </a:p>
+        </p:txBody>
+      </p:sp>
+      <p:sp>
+        <p:nvSpPr>
+          <p:cNvPr id="4" name="Slide Number Placeholder 3"/>
+          <p:cNvSpPr>
+            <a:spLocks noGrp="1"/>
+          </p:cNvSpPr>
+          <p:nvPr>
+            <p:ph type="sldNum" sz="quarter" idx="12"/>
+          </p:nvPr>
+        </p:nvSpPr>
+        <p:spPr/>
+        <p:txBody>
+          <a:bodyPr/>
+          <a:lstStyle/>
+          <a:p>
+            <a:fld id="{B6F15528-21DE-4FAA-801E-634DDDAF4B2B}" type="slidenum">
+              <a:rPr lang="en-US" smtClean="0"/>
+              <a:pPr/>
+              <a:t>29</a:t>
+            </a:fld>
+            <a:endParaRPr lang="en-US"/>
+          </a:p>
+        </p:txBody>
+      </p:sp>
     </p:spTree>
     <p:extLst>
       <p:ext uri="{BB962C8B-B14F-4D97-AF65-F5344CB8AC3E}">
@@ -10653,6 +12114,53 @@
           </a:p>
         </p:txBody>
       </p:sp>
+      <p:sp>
+        <p:nvSpPr>
+          <p:cNvPr id="4" name="Footer Placeholder 3"/>
+          <p:cNvSpPr>
+            <a:spLocks noGrp="1"/>
+          </p:cNvSpPr>
+          <p:nvPr>
+            <p:ph type="ftr" sz="quarter" idx="11"/>
+          </p:nvPr>
+        </p:nvSpPr>
+        <p:spPr/>
+        <p:txBody>
+          <a:bodyPr/>
+          <a:lstStyle/>
+          <a:p>
+            <a:r>
+              <a:rPr lang="en-US" smtClean="0"/>
+              <a:t>Ashim Lamichhane</a:t>
+            </a:r>
+            <a:endParaRPr lang="en-US"/>
+          </a:p>
+        </p:txBody>
+      </p:sp>
+      <p:sp>
+        <p:nvSpPr>
+          <p:cNvPr id="5" name="Slide Number Placeholder 4"/>
+          <p:cNvSpPr>
+            <a:spLocks noGrp="1"/>
+          </p:cNvSpPr>
+          <p:nvPr>
+            <p:ph type="sldNum" sz="quarter" idx="12"/>
+          </p:nvPr>
+        </p:nvSpPr>
+        <p:spPr/>
+        <p:txBody>
+          <a:bodyPr/>
+          <a:lstStyle/>
+          <a:p>
+            <a:fld id="{B6F15528-21DE-4FAA-801E-634DDDAF4B2B}" type="slidenum">
+              <a:rPr lang="en-US" smtClean="0"/>
+              <a:pPr/>
+              <a:t>3</a:t>
+            </a:fld>
+            <a:endParaRPr lang="en-US"/>
+          </a:p>
+        </p:txBody>
+      </p:sp>
     </p:spTree>
     <p:extLst>
       <p:ext uri="{BB962C8B-B14F-4D97-AF65-F5344CB8AC3E}">
@@ -10768,6 +12276,53 @@
           </a:p>
         </p:txBody>
       </p:sp>
+      <p:sp>
+        <p:nvSpPr>
+          <p:cNvPr id="4" name="Footer Placeholder 3"/>
+          <p:cNvSpPr>
+            <a:spLocks noGrp="1"/>
+          </p:cNvSpPr>
+          <p:nvPr>
+            <p:ph type="ftr" sz="quarter" idx="11"/>
+          </p:nvPr>
+        </p:nvSpPr>
+        <p:spPr/>
+        <p:txBody>
+          <a:bodyPr/>
+          <a:lstStyle/>
+          <a:p>
+            <a:r>
+              <a:rPr lang="en-US" smtClean="0"/>
+              <a:t>Ashim Lamichhane</a:t>
+            </a:r>
+            <a:endParaRPr lang="en-US"/>
+          </a:p>
+        </p:txBody>
+      </p:sp>
+      <p:sp>
+        <p:nvSpPr>
+          <p:cNvPr id="5" name="Slide Number Placeholder 4"/>
+          <p:cNvSpPr>
+            <a:spLocks noGrp="1"/>
+          </p:cNvSpPr>
+          <p:nvPr>
+            <p:ph type="sldNum" sz="quarter" idx="12"/>
+          </p:nvPr>
+        </p:nvSpPr>
+        <p:spPr/>
+        <p:txBody>
+          <a:bodyPr/>
+          <a:lstStyle/>
+          <a:p>
+            <a:fld id="{B6F15528-21DE-4FAA-801E-634DDDAF4B2B}" type="slidenum">
+              <a:rPr lang="en-US" smtClean="0"/>
+              <a:pPr/>
+              <a:t>30</a:t>
+            </a:fld>
+            <a:endParaRPr lang="en-US"/>
+          </a:p>
+        </p:txBody>
+      </p:sp>
     </p:spTree>
     <p:extLst>
       <p:ext uri="{BB962C8B-B14F-4D97-AF65-F5344CB8AC3E}">
@@ -10932,6 +12487,53 @@
           </a:p>
         </p:txBody>
       </p:sp>
+      <p:sp>
+        <p:nvSpPr>
+          <p:cNvPr id="4" name="Footer Placeholder 3"/>
+          <p:cNvSpPr>
+            <a:spLocks noGrp="1"/>
+          </p:cNvSpPr>
+          <p:nvPr>
+            <p:ph type="ftr" sz="quarter" idx="11"/>
+          </p:nvPr>
+        </p:nvSpPr>
+        <p:spPr/>
+        <p:txBody>
+          <a:bodyPr/>
+          <a:lstStyle/>
+          <a:p>
+            <a:r>
+              <a:rPr lang="en-US" smtClean="0"/>
+              <a:t>Ashim Lamichhane</a:t>
+            </a:r>
+            <a:endParaRPr lang="en-US"/>
+          </a:p>
+        </p:txBody>
+      </p:sp>
+      <p:sp>
+        <p:nvSpPr>
+          <p:cNvPr id="5" name="Slide Number Placeholder 4"/>
+          <p:cNvSpPr>
+            <a:spLocks noGrp="1"/>
+          </p:cNvSpPr>
+          <p:nvPr>
+            <p:ph type="sldNum" sz="quarter" idx="12"/>
+          </p:nvPr>
+        </p:nvSpPr>
+        <p:spPr/>
+        <p:txBody>
+          <a:bodyPr/>
+          <a:lstStyle/>
+          <a:p>
+            <a:fld id="{B6F15528-21DE-4FAA-801E-634DDDAF4B2B}" type="slidenum">
+              <a:rPr lang="en-US" smtClean="0"/>
+              <a:pPr/>
+              <a:t>31</a:t>
+            </a:fld>
+            <a:endParaRPr lang="en-US"/>
+          </a:p>
+        </p:txBody>
+      </p:sp>
     </p:spTree>
     <p:extLst>
       <p:ext uri="{BB962C8B-B14F-4D97-AF65-F5344CB8AC3E}">
@@ -11042,6 +12644,53 @@
           </a:p>
         </p:txBody>
       </p:sp>
+      <p:sp>
+        <p:nvSpPr>
+          <p:cNvPr id="4" name="Footer Placeholder 3"/>
+          <p:cNvSpPr>
+            <a:spLocks noGrp="1"/>
+          </p:cNvSpPr>
+          <p:nvPr>
+            <p:ph type="ftr" sz="quarter" idx="11"/>
+          </p:nvPr>
+        </p:nvSpPr>
+        <p:spPr/>
+        <p:txBody>
+          <a:bodyPr/>
+          <a:lstStyle/>
+          <a:p>
+            <a:r>
+              <a:rPr lang="en-US" smtClean="0"/>
+              <a:t>Ashim Lamichhane</a:t>
+            </a:r>
+            <a:endParaRPr lang="en-US"/>
+          </a:p>
+        </p:txBody>
+      </p:sp>
+      <p:sp>
+        <p:nvSpPr>
+          <p:cNvPr id="5" name="Slide Number Placeholder 4"/>
+          <p:cNvSpPr>
+            <a:spLocks noGrp="1"/>
+          </p:cNvSpPr>
+          <p:nvPr>
+            <p:ph type="sldNum" sz="quarter" idx="12"/>
+          </p:nvPr>
+        </p:nvSpPr>
+        <p:spPr/>
+        <p:txBody>
+          <a:bodyPr/>
+          <a:lstStyle/>
+          <a:p>
+            <a:fld id="{B6F15528-21DE-4FAA-801E-634DDDAF4B2B}" type="slidenum">
+              <a:rPr lang="en-US" smtClean="0"/>
+              <a:pPr/>
+              <a:t>32</a:t>
+            </a:fld>
+            <a:endParaRPr lang="en-US"/>
+          </a:p>
+        </p:txBody>
+      </p:sp>
     </p:spTree>
     <p:extLst>
       <p:ext uri="{BB962C8B-B14F-4D97-AF65-F5344CB8AC3E}">
@@ -11296,6 +12945,53 @@
           </a:p>
         </p:txBody>
       </p:sp>
+      <p:sp>
+        <p:nvSpPr>
+          <p:cNvPr id="2" name="Footer Placeholder 1"/>
+          <p:cNvSpPr>
+            <a:spLocks noGrp="1"/>
+          </p:cNvSpPr>
+          <p:nvPr>
+            <p:ph type="ftr" sz="quarter" idx="11"/>
+          </p:nvPr>
+        </p:nvSpPr>
+        <p:spPr/>
+        <p:txBody>
+          <a:bodyPr/>
+          <a:lstStyle/>
+          <a:p>
+            <a:r>
+              <a:rPr lang="en-US" smtClean="0"/>
+              <a:t>Ashim Lamichhane</a:t>
+            </a:r>
+            <a:endParaRPr lang="en-US"/>
+          </a:p>
+        </p:txBody>
+      </p:sp>
+      <p:sp>
+        <p:nvSpPr>
+          <p:cNvPr id="4" name="Slide Number Placeholder 3"/>
+          <p:cNvSpPr>
+            <a:spLocks noGrp="1"/>
+          </p:cNvSpPr>
+          <p:nvPr>
+            <p:ph type="sldNum" sz="quarter" idx="12"/>
+          </p:nvPr>
+        </p:nvSpPr>
+        <p:spPr/>
+        <p:txBody>
+          <a:bodyPr/>
+          <a:lstStyle/>
+          <a:p>
+            <a:fld id="{B6F15528-21DE-4FAA-801E-634DDDAF4B2B}" type="slidenum">
+              <a:rPr lang="en-US" smtClean="0"/>
+              <a:pPr/>
+              <a:t>33</a:t>
+            </a:fld>
+            <a:endParaRPr lang="en-US"/>
+          </a:p>
+        </p:txBody>
+      </p:sp>
     </p:spTree>
     <p:extLst>
       <p:ext uri="{BB962C8B-B14F-4D97-AF65-F5344CB8AC3E}">
@@ -11409,6 +13105,53 @@
           </a:p>
           <a:p>
             <a:endParaRPr lang="en-US" sz="2400" dirty="0" smtClean="0"/>
+          </a:p>
+        </p:txBody>
+      </p:sp>
+      <p:sp>
+        <p:nvSpPr>
+          <p:cNvPr id="4" name="Footer Placeholder 3"/>
+          <p:cNvSpPr>
+            <a:spLocks noGrp="1"/>
+          </p:cNvSpPr>
+          <p:nvPr>
+            <p:ph type="ftr" sz="quarter" idx="11"/>
+          </p:nvPr>
+        </p:nvSpPr>
+        <p:spPr/>
+        <p:txBody>
+          <a:bodyPr/>
+          <a:lstStyle/>
+          <a:p>
+            <a:r>
+              <a:rPr lang="en-US" smtClean="0"/>
+              <a:t>Ashim Lamichhane</a:t>
+            </a:r>
+            <a:endParaRPr lang="en-US"/>
+          </a:p>
+        </p:txBody>
+      </p:sp>
+      <p:sp>
+        <p:nvSpPr>
+          <p:cNvPr id="5" name="Slide Number Placeholder 4"/>
+          <p:cNvSpPr>
+            <a:spLocks noGrp="1"/>
+          </p:cNvSpPr>
+          <p:nvPr>
+            <p:ph type="sldNum" sz="quarter" idx="12"/>
+          </p:nvPr>
+        </p:nvSpPr>
+        <p:spPr/>
+        <p:txBody>
+          <a:bodyPr/>
+          <a:lstStyle/>
+          <a:p>
+            <a:fld id="{B6F15528-21DE-4FAA-801E-634DDDAF4B2B}" type="slidenum">
+              <a:rPr lang="en-US" smtClean="0"/>
+              <a:pPr/>
+              <a:t>34</a:t>
+            </a:fld>
+            <a:endParaRPr lang="en-US"/>
           </a:p>
         </p:txBody>
       </p:sp>
@@ -12955,6 +14698,53 @@
           </a:graphicData>
         </a:graphic>
       </p:graphicFrame>
+      <p:sp>
+        <p:nvSpPr>
+          <p:cNvPr id="3" name="Footer Placeholder 2"/>
+          <p:cNvSpPr>
+            <a:spLocks noGrp="1"/>
+          </p:cNvSpPr>
+          <p:nvPr>
+            <p:ph type="ftr" sz="quarter" idx="11"/>
+          </p:nvPr>
+        </p:nvSpPr>
+        <p:spPr/>
+        <p:txBody>
+          <a:bodyPr/>
+          <a:lstStyle/>
+          <a:p>
+            <a:r>
+              <a:rPr lang="en-US" smtClean="0"/>
+              <a:t>Ashim Lamichhane</a:t>
+            </a:r>
+            <a:endParaRPr lang="en-US"/>
+          </a:p>
+        </p:txBody>
+      </p:sp>
+      <p:sp>
+        <p:nvSpPr>
+          <p:cNvPr id="4" name="Slide Number Placeholder 3"/>
+          <p:cNvSpPr>
+            <a:spLocks noGrp="1"/>
+          </p:cNvSpPr>
+          <p:nvPr>
+            <p:ph type="sldNum" sz="quarter" idx="12"/>
+          </p:nvPr>
+        </p:nvSpPr>
+        <p:spPr/>
+        <p:txBody>
+          <a:bodyPr/>
+          <a:lstStyle/>
+          <a:p>
+            <a:fld id="{B6F15528-21DE-4FAA-801E-634DDDAF4B2B}" type="slidenum">
+              <a:rPr lang="en-US" smtClean="0"/>
+              <a:pPr/>
+              <a:t>35</a:t>
+            </a:fld>
+            <a:endParaRPr lang="en-US"/>
+          </a:p>
+        </p:txBody>
+      </p:sp>
     </p:spTree>
     <p:extLst>
       <p:ext uri="{BB962C8B-B14F-4D97-AF65-F5344CB8AC3E}">
@@ -13097,6 +14887,53 @@
               <a:rPr lang="en-US" dirty="0" smtClean="0"/>
               <a:t>Step5: 7</a:t>
             </a:r>
+          </a:p>
+        </p:txBody>
+      </p:sp>
+      <p:sp>
+        <p:nvSpPr>
+          <p:cNvPr id="2" name="Footer Placeholder 1"/>
+          <p:cNvSpPr>
+            <a:spLocks noGrp="1"/>
+          </p:cNvSpPr>
+          <p:nvPr>
+            <p:ph type="ftr" sz="quarter" idx="11"/>
+          </p:nvPr>
+        </p:nvSpPr>
+        <p:spPr/>
+        <p:txBody>
+          <a:bodyPr/>
+          <a:lstStyle/>
+          <a:p>
+            <a:r>
+              <a:rPr lang="en-US" smtClean="0"/>
+              <a:t>Ashim Lamichhane</a:t>
+            </a:r>
+            <a:endParaRPr lang="en-US"/>
+          </a:p>
+        </p:txBody>
+      </p:sp>
+      <p:sp>
+        <p:nvSpPr>
+          <p:cNvPr id="4" name="Slide Number Placeholder 3"/>
+          <p:cNvSpPr>
+            <a:spLocks noGrp="1"/>
+          </p:cNvSpPr>
+          <p:nvPr>
+            <p:ph type="sldNum" sz="quarter" idx="12"/>
+          </p:nvPr>
+        </p:nvSpPr>
+        <p:spPr/>
+        <p:txBody>
+          <a:bodyPr/>
+          <a:lstStyle/>
+          <a:p>
+            <a:fld id="{B6F15528-21DE-4FAA-801E-634DDDAF4B2B}" type="slidenum">
+              <a:rPr lang="en-US" smtClean="0"/>
+              <a:pPr/>
+              <a:t>36</a:t>
+            </a:fld>
+            <a:endParaRPr lang="en-US"/>
           </a:p>
         </p:txBody>
       </p:sp>
@@ -13270,6 +15107,53 @@
           </a:p>
         </p:txBody>
       </p:sp>
+      <p:sp>
+        <p:nvSpPr>
+          <p:cNvPr id="2" name="Footer Placeholder 1"/>
+          <p:cNvSpPr>
+            <a:spLocks noGrp="1"/>
+          </p:cNvSpPr>
+          <p:nvPr>
+            <p:ph type="ftr" sz="quarter" idx="11"/>
+          </p:nvPr>
+        </p:nvSpPr>
+        <p:spPr/>
+        <p:txBody>
+          <a:bodyPr/>
+          <a:lstStyle/>
+          <a:p>
+            <a:r>
+              <a:rPr lang="en-US" smtClean="0"/>
+              <a:t>Ashim Lamichhane</a:t>
+            </a:r>
+            <a:endParaRPr lang="en-US"/>
+          </a:p>
+        </p:txBody>
+      </p:sp>
+      <p:sp>
+        <p:nvSpPr>
+          <p:cNvPr id="4" name="Slide Number Placeholder 3"/>
+          <p:cNvSpPr>
+            <a:spLocks noGrp="1"/>
+          </p:cNvSpPr>
+          <p:nvPr>
+            <p:ph type="sldNum" sz="quarter" idx="12"/>
+          </p:nvPr>
+        </p:nvSpPr>
+        <p:spPr/>
+        <p:txBody>
+          <a:bodyPr/>
+          <a:lstStyle/>
+          <a:p>
+            <a:fld id="{B6F15528-21DE-4FAA-801E-634DDDAF4B2B}" type="slidenum">
+              <a:rPr lang="en-US" smtClean="0"/>
+              <a:pPr/>
+              <a:t>37</a:t>
+            </a:fld>
+            <a:endParaRPr lang="en-US"/>
+          </a:p>
+        </p:txBody>
+      </p:sp>
     </p:spTree>
     <p:extLst>
       <p:ext uri="{BB962C8B-B14F-4D97-AF65-F5344CB8AC3E}">
@@ -13533,6 +15417,53 @@
           </a:p>
         </p:txBody>
       </p:sp>
+      <p:sp>
+        <p:nvSpPr>
+          <p:cNvPr id="4" name="Footer Placeholder 3"/>
+          <p:cNvSpPr>
+            <a:spLocks noGrp="1"/>
+          </p:cNvSpPr>
+          <p:nvPr>
+            <p:ph type="ftr" sz="quarter" idx="11"/>
+          </p:nvPr>
+        </p:nvSpPr>
+        <p:spPr/>
+        <p:txBody>
+          <a:bodyPr/>
+          <a:lstStyle/>
+          <a:p>
+            <a:r>
+              <a:rPr lang="en-US" smtClean="0"/>
+              <a:t>Ashim Lamichhane</a:t>
+            </a:r>
+            <a:endParaRPr lang="en-US"/>
+          </a:p>
+        </p:txBody>
+      </p:sp>
+      <p:sp>
+        <p:nvSpPr>
+          <p:cNvPr id="5" name="Slide Number Placeholder 4"/>
+          <p:cNvSpPr>
+            <a:spLocks noGrp="1"/>
+          </p:cNvSpPr>
+          <p:nvPr>
+            <p:ph type="sldNum" sz="quarter" idx="12"/>
+          </p:nvPr>
+        </p:nvSpPr>
+        <p:spPr/>
+        <p:txBody>
+          <a:bodyPr/>
+          <a:lstStyle/>
+          <a:p>
+            <a:fld id="{B6F15528-21DE-4FAA-801E-634DDDAF4B2B}" type="slidenum">
+              <a:rPr lang="en-US" smtClean="0"/>
+              <a:pPr/>
+              <a:t>38</a:t>
+            </a:fld>
+            <a:endParaRPr lang="en-US"/>
+          </a:p>
+        </p:txBody>
+      </p:sp>
     </p:spTree>
     <p:extLst>
       <p:ext uri="{BB962C8B-B14F-4D97-AF65-F5344CB8AC3E}">
@@ -13607,6 +15538,53 @@
           <a:lstStyle/>
           <a:p>
             <a:endParaRPr lang="en-US" dirty="0"/>
+          </a:p>
+        </p:txBody>
+      </p:sp>
+      <p:sp>
+        <p:nvSpPr>
+          <p:cNvPr id="4" name="Footer Placeholder 3"/>
+          <p:cNvSpPr>
+            <a:spLocks noGrp="1"/>
+          </p:cNvSpPr>
+          <p:nvPr>
+            <p:ph type="ftr" sz="quarter" idx="11"/>
+          </p:nvPr>
+        </p:nvSpPr>
+        <p:spPr/>
+        <p:txBody>
+          <a:bodyPr/>
+          <a:lstStyle/>
+          <a:p>
+            <a:r>
+              <a:rPr lang="en-US" smtClean="0"/>
+              <a:t>Ashim Lamichhane</a:t>
+            </a:r>
+            <a:endParaRPr lang="en-US"/>
+          </a:p>
+        </p:txBody>
+      </p:sp>
+      <p:sp>
+        <p:nvSpPr>
+          <p:cNvPr id="5" name="Slide Number Placeholder 4"/>
+          <p:cNvSpPr>
+            <a:spLocks noGrp="1"/>
+          </p:cNvSpPr>
+          <p:nvPr>
+            <p:ph type="sldNum" sz="quarter" idx="12"/>
+          </p:nvPr>
+        </p:nvSpPr>
+        <p:spPr/>
+        <p:txBody>
+          <a:bodyPr/>
+          <a:lstStyle/>
+          <a:p>
+            <a:fld id="{B6F15528-21DE-4FAA-801E-634DDDAF4B2B}" type="slidenum">
+              <a:rPr lang="en-US" smtClean="0"/>
+              <a:pPr/>
+              <a:t>39</a:t>
+            </a:fld>
+            <a:endParaRPr lang="en-US"/>
           </a:p>
         </p:txBody>
       </p:sp>
@@ -13745,6 +15723,53 @@
           </a:p>
         </p:txBody>
       </p:sp>
+      <p:sp>
+        <p:nvSpPr>
+          <p:cNvPr id="2" name="Footer Placeholder 1"/>
+          <p:cNvSpPr>
+            <a:spLocks noGrp="1"/>
+          </p:cNvSpPr>
+          <p:nvPr>
+            <p:ph type="ftr" sz="quarter" idx="11"/>
+          </p:nvPr>
+        </p:nvSpPr>
+        <p:spPr/>
+        <p:txBody>
+          <a:bodyPr/>
+          <a:lstStyle/>
+          <a:p>
+            <a:r>
+              <a:rPr lang="en-US" smtClean="0"/>
+              <a:t>Ashim Lamichhane</a:t>
+            </a:r>
+            <a:endParaRPr lang="en-US"/>
+          </a:p>
+        </p:txBody>
+      </p:sp>
+      <p:sp>
+        <p:nvSpPr>
+          <p:cNvPr id="4" name="Slide Number Placeholder 3"/>
+          <p:cNvSpPr>
+            <a:spLocks noGrp="1"/>
+          </p:cNvSpPr>
+          <p:nvPr>
+            <p:ph type="sldNum" sz="quarter" idx="12"/>
+          </p:nvPr>
+        </p:nvSpPr>
+        <p:spPr/>
+        <p:txBody>
+          <a:bodyPr/>
+          <a:lstStyle/>
+          <a:p>
+            <a:fld id="{B6F15528-21DE-4FAA-801E-634DDDAF4B2B}" type="slidenum">
+              <a:rPr lang="en-US" smtClean="0"/>
+              <a:pPr/>
+              <a:t>4</a:t>
+            </a:fld>
+            <a:endParaRPr lang="en-US"/>
+          </a:p>
+        </p:txBody>
+      </p:sp>
     </p:spTree>
     <p:extLst>
       <p:ext uri="{BB962C8B-B14F-4D97-AF65-F5344CB8AC3E}">
@@ -13870,6 +15895,53 @@
           </a:p>
         </p:txBody>
       </p:sp>
+      <p:sp>
+        <p:nvSpPr>
+          <p:cNvPr id="2" name="Footer Placeholder 1"/>
+          <p:cNvSpPr>
+            <a:spLocks noGrp="1"/>
+          </p:cNvSpPr>
+          <p:nvPr>
+            <p:ph type="ftr" sz="quarter" idx="11"/>
+          </p:nvPr>
+        </p:nvSpPr>
+        <p:spPr/>
+        <p:txBody>
+          <a:bodyPr/>
+          <a:lstStyle/>
+          <a:p>
+            <a:r>
+              <a:rPr lang="en-US" smtClean="0"/>
+              <a:t>Ashim Lamichhane</a:t>
+            </a:r>
+            <a:endParaRPr lang="en-US"/>
+          </a:p>
+        </p:txBody>
+      </p:sp>
+      <p:sp>
+        <p:nvSpPr>
+          <p:cNvPr id="4" name="Slide Number Placeholder 3"/>
+          <p:cNvSpPr>
+            <a:spLocks noGrp="1"/>
+          </p:cNvSpPr>
+          <p:nvPr>
+            <p:ph type="sldNum" sz="quarter" idx="12"/>
+          </p:nvPr>
+        </p:nvSpPr>
+        <p:spPr/>
+        <p:txBody>
+          <a:bodyPr/>
+          <a:lstStyle/>
+          <a:p>
+            <a:fld id="{B6F15528-21DE-4FAA-801E-634DDDAF4B2B}" type="slidenum">
+              <a:rPr lang="en-US" smtClean="0"/>
+              <a:pPr/>
+              <a:t>5</a:t>
+            </a:fld>
+            <a:endParaRPr lang="en-US"/>
+          </a:p>
+        </p:txBody>
+      </p:sp>
     </p:spTree>
     <p:extLst>
       <p:ext uri="{BB962C8B-B14F-4D97-AF65-F5344CB8AC3E}">
@@ -15314,6 +17386,53 @@
           </a:graphicData>
         </a:graphic>
       </p:graphicFrame>
+      <p:sp>
+        <p:nvSpPr>
+          <p:cNvPr id="3" name="Footer Placeholder 2"/>
+          <p:cNvSpPr>
+            <a:spLocks noGrp="1"/>
+          </p:cNvSpPr>
+          <p:nvPr>
+            <p:ph type="ftr" sz="quarter" idx="11"/>
+          </p:nvPr>
+        </p:nvSpPr>
+        <p:spPr/>
+        <p:txBody>
+          <a:bodyPr/>
+          <a:lstStyle/>
+          <a:p>
+            <a:r>
+              <a:rPr lang="en-US" smtClean="0"/>
+              <a:t>Ashim Lamichhane</a:t>
+            </a:r>
+            <a:endParaRPr lang="en-US"/>
+          </a:p>
+        </p:txBody>
+      </p:sp>
+      <p:sp>
+        <p:nvSpPr>
+          <p:cNvPr id="5" name="Slide Number Placeholder 4"/>
+          <p:cNvSpPr>
+            <a:spLocks noGrp="1"/>
+          </p:cNvSpPr>
+          <p:nvPr>
+            <p:ph type="sldNum" sz="quarter" idx="12"/>
+          </p:nvPr>
+        </p:nvSpPr>
+        <p:spPr/>
+        <p:txBody>
+          <a:bodyPr/>
+          <a:lstStyle/>
+          <a:p>
+            <a:fld id="{B6F15528-21DE-4FAA-801E-634DDDAF4B2B}" type="slidenum">
+              <a:rPr lang="en-US" smtClean="0"/>
+              <a:pPr/>
+              <a:t>6</a:t>
+            </a:fld>
+            <a:endParaRPr lang="en-US"/>
+          </a:p>
+        </p:txBody>
+      </p:sp>
     </p:spTree>
     <p:extLst>
       <p:ext uri="{BB962C8B-B14F-4D97-AF65-F5344CB8AC3E}">
@@ -15435,6 +17554,53 @@
           </a:p>
         </p:txBody>
       </p:sp>
+      <p:sp>
+        <p:nvSpPr>
+          <p:cNvPr id="4" name="Footer Placeholder 3"/>
+          <p:cNvSpPr>
+            <a:spLocks noGrp="1"/>
+          </p:cNvSpPr>
+          <p:nvPr>
+            <p:ph type="ftr" sz="quarter" idx="11"/>
+          </p:nvPr>
+        </p:nvSpPr>
+        <p:spPr/>
+        <p:txBody>
+          <a:bodyPr/>
+          <a:lstStyle/>
+          <a:p>
+            <a:r>
+              <a:rPr lang="en-US" smtClean="0"/>
+              <a:t>Ashim Lamichhane</a:t>
+            </a:r>
+            <a:endParaRPr lang="en-US"/>
+          </a:p>
+        </p:txBody>
+      </p:sp>
+      <p:sp>
+        <p:nvSpPr>
+          <p:cNvPr id="5" name="Slide Number Placeholder 4"/>
+          <p:cNvSpPr>
+            <a:spLocks noGrp="1"/>
+          </p:cNvSpPr>
+          <p:nvPr>
+            <p:ph type="sldNum" sz="quarter" idx="12"/>
+          </p:nvPr>
+        </p:nvSpPr>
+        <p:spPr/>
+        <p:txBody>
+          <a:bodyPr/>
+          <a:lstStyle/>
+          <a:p>
+            <a:fld id="{B6F15528-21DE-4FAA-801E-634DDDAF4B2B}" type="slidenum">
+              <a:rPr lang="en-US" smtClean="0"/>
+              <a:pPr/>
+              <a:t>7</a:t>
+            </a:fld>
+            <a:endParaRPr lang="en-US"/>
+          </a:p>
+        </p:txBody>
+      </p:sp>
     </p:spTree>
     <p:extLst>
       <p:ext uri="{BB962C8B-B14F-4D97-AF65-F5344CB8AC3E}">
@@ -15787,6 +17953,53 @@
           </a:p>
         </p:txBody>
       </p:sp>
+      <p:sp>
+        <p:nvSpPr>
+          <p:cNvPr id="2" name="Footer Placeholder 1"/>
+          <p:cNvSpPr>
+            <a:spLocks noGrp="1"/>
+          </p:cNvSpPr>
+          <p:nvPr>
+            <p:ph type="ftr" sz="quarter" idx="11"/>
+          </p:nvPr>
+        </p:nvSpPr>
+        <p:spPr/>
+        <p:txBody>
+          <a:bodyPr/>
+          <a:lstStyle/>
+          <a:p>
+            <a:r>
+              <a:rPr lang="en-US" smtClean="0"/>
+              <a:t>Ashim Lamichhane</a:t>
+            </a:r>
+            <a:endParaRPr lang="en-US"/>
+          </a:p>
+        </p:txBody>
+      </p:sp>
+      <p:sp>
+        <p:nvSpPr>
+          <p:cNvPr id="4" name="Slide Number Placeholder 3"/>
+          <p:cNvSpPr>
+            <a:spLocks noGrp="1"/>
+          </p:cNvSpPr>
+          <p:nvPr>
+            <p:ph type="sldNum" sz="quarter" idx="12"/>
+          </p:nvPr>
+        </p:nvSpPr>
+        <p:spPr/>
+        <p:txBody>
+          <a:bodyPr/>
+          <a:lstStyle/>
+          <a:p>
+            <a:fld id="{B6F15528-21DE-4FAA-801E-634DDDAF4B2B}" type="slidenum">
+              <a:rPr lang="en-US" smtClean="0"/>
+              <a:pPr/>
+              <a:t>8</a:t>
+            </a:fld>
+            <a:endParaRPr lang="en-US"/>
+          </a:p>
+        </p:txBody>
+      </p:sp>
     </p:spTree>
     <p:extLst>
       <p:ext uri="{BB962C8B-B14F-4D97-AF65-F5344CB8AC3E}">
@@ -17095,6 +19308,53 @@
           </a:graphicData>
         </a:graphic>
       </p:graphicFrame>
+      <p:sp>
+        <p:nvSpPr>
+          <p:cNvPr id="5" name="Footer Placeholder 4"/>
+          <p:cNvSpPr>
+            <a:spLocks noGrp="1"/>
+          </p:cNvSpPr>
+          <p:nvPr>
+            <p:ph type="ftr" sz="quarter" idx="11"/>
+          </p:nvPr>
+        </p:nvSpPr>
+        <p:spPr/>
+        <p:txBody>
+          <a:bodyPr/>
+          <a:lstStyle/>
+          <a:p>
+            <a:r>
+              <a:rPr lang="en-US" smtClean="0"/>
+              <a:t>Ashim Lamichhane</a:t>
+            </a:r>
+            <a:endParaRPr lang="en-US"/>
+          </a:p>
+        </p:txBody>
+      </p:sp>
+      <p:sp>
+        <p:nvSpPr>
+          <p:cNvPr id="6" name="Slide Number Placeholder 5"/>
+          <p:cNvSpPr>
+            <a:spLocks noGrp="1"/>
+          </p:cNvSpPr>
+          <p:nvPr>
+            <p:ph type="sldNum" sz="quarter" idx="12"/>
+          </p:nvPr>
+        </p:nvSpPr>
+        <p:spPr/>
+        <p:txBody>
+          <a:bodyPr/>
+          <a:lstStyle/>
+          <a:p>
+            <a:fld id="{B6F15528-21DE-4FAA-801E-634DDDAF4B2B}" type="slidenum">
+              <a:rPr lang="en-US" smtClean="0"/>
+              <a:pPr/>
+              <a:t>9</a:t>
+            </a:fld>
+            <a:endParaRPr lang="en-US"/>
+          </a:p>
+        </p:txBody>
+      </p:sp>
     </p:spTree>
     <p:extLst>
       <p:ext uri="{BB962C8B-B14F-4D97-AF65-F5344CB8AC3E}">
@@ -17396,4 +19656,265 @@
   <a:objectDefaults/>
   <a:extraClrSchemeLst/>
 </a:theme>
+</file>
+
+<file path=ppt/theme/theme2.xml><?xml version="1.0" encoding="utf-8"?>
+<a:theme xmlns:a="http://schemas.openxmlformats.org/drawingml/2006/main" name="Office Theme">
+  <a:themeElements>
+    <a:clrScheme name="Office">
+      <a:dk1>
+        <a:sysClr val="windowText" lastClr="000000"/>
+      </a:dk1>
+      <a:lt1>
+        <a:sysClr val="window" lastClr="FFFFFF"/>
+      </a:lt1>
+      <a:dk2>
+        <a:srgbClr val="44546A"/>
+      </a:dk2>
+      <a:lt2>
+        <a:srgbClr val="E7E6E6"/>
+      </a:lt2>
+      <a:accent1>
+        <a:srgbClr val="5B9BD5"/>
+      </a:accent1>
+      <a:accent2>
+        <a:srgbClr val="ED7D31"/>
+      </a:accent2>
+      <a:accent3>
+        <a:srgbClr val="A5A5A5"/>
+      </a:accent3>
+      <a:accent4>
+        <a:srgbClr val="FFC000"/>
+      </a:accent4>
+      <a:accent5>
+        <a:srgbClr val="4472C4"/>
+      </a:accent5>
+      <a:accent6>
+        <a:srgbClr val="70AD47"/>
+      </a:accent6>
+      <a:hlink>
+        <a:srgbClr val="0563C1"/>
+      </a:hlink>
+      <a:folHlink>
+        <a:srgbClr val="954F72"/>
+      </a:folHlink>
+    </a:clrScheme>
+    <a:fontScheme name="Office">
+      <a:majorFont>
+        <a:latin typeface="Calibri Light" panose="020F0302020204030204"/>
+        <a:ea typeface=""/>
+        <a:cs typeface=""/>
+        <a:font script="Jpan" typeface="Yu Gothic Light"/>
+        <a:font script="Hang" typeface="맑은 고딕"/>
+        <a:font script="Hans" typeface="DengXian Light"/>
+        <a:font script="Hant" typeface="新細明體"/>
+        <a:font script="Arab" typeface="Times New Roman"/>
+        <a:font script="Hebr" typeface="Times New Roman"/>
+        <a:font script="Thai" typeface="Angsana New"/>
+        <a:font script="Ethi" typeface="Nyala"/>
+        <a:font script="Beng" typeface="Vrinda"/>
+        <a:font script="Gujr" typeface="Shruti"/>
+        <a:font script="Khmr" typeface="MoolBoran"/>
+        <a:font script="Knda" typeface="Tunga"/>
+        <a:font script="Guru" typeface="Raavi"/>
+        <a:font script="Cans" typeface="Euphemia"/>
+        <a:font script="Cher" typeface="Plantagenet Cherokee"/>
+        <a:font script="Yiii" typeface="Microsoft Yi Baiti"/>
+        <a:font script="Tibt" typeface="Microsoft Himalaya"/>
+        <a:font script="Thaa" typeface="MV Boli"/>
+        <a:font script="Deva" typeface="Mangal"/>
+        <a:font script="Telu" typeface="Gautami"/>
+        <a:font script="Taml" typeface="Latha"/>
+        <a:font script="Syrc" typeface="Estrangelo Edessa"/>
+        <a:font script="Orya" typeface="Kalinga"/>
+        <a:font script="Mlym" typeface="Kartika"/>
+        <a:font script="Laoo" typeface="DokChampa"/>
+        <a:font script="Sinh" typeface="Iskoola Pota"/>
+        <a:font script="Mong" typeface="Mongolian Baiti"/>
+        <a:font script="Viet" typeface="Times New Roman"/>
+        <a:font script="Uigh" typeface="Microsoft Uighur"/>
+        <a:font script="Geor" typeface="Sylfaen"/>
+      </a:majorFont>
+      <a:minorFont>
+        <a:latin typeface="Calibri" panose="020F0502020204030204"/>
+        <a:ea typeface=""/>
+        <a:cs typeface=""/>
+        <a:font script="Jpan" typeface="Yu Gothic"/>
+        <a:font script="Hang" typeface="맑은 고딕"/>
+        <a:font script="Hans" typeface="DengXian"/>
+        <a:font script="Hant" typeface="新細明體"/>
+        <a:font script="Arab" typeface="Arial"/>
+        <a:font script="Hebr" typeface="Arial"/>
+        <a:font script="Thai" typeface="Cordia New"/>
+        <a:font script="Ethi" typeface="Nyala"/>
+        <a:font script="Beng" typeface="Vrinda"/>
+        <a:font script="Gujr" typeface="Shruti"/>
+        <a:font script="Khmr" typeface="DaunPenh"/>
+        <a:font script="Knda" typeface="Tunga"/>
+        <a:font script="Guru" typeface="Raavi"/>
+        <a:font script="Cans" typeface="Euphemia"/>
+        <a:font script="Cher" typeface="Plantagenet Cherokee"/>
+        <a:font script="Yiii" typeface="Microsoft Yi Baiti"/>
+        <a:font script="Tibt" typeface="Microsoft Himalaya"/>
+        <a:font script="Thaa" typeface="MV Boli"/>
+        <a:font script="Deva" typeface="Mangal"/>
+        <a:font script="Telu" typeface="Gautami"/>
+        <a:font script="Taml" typeface="Latha"/>
+        <a:font script="Syrc" typeface="Estrangelo Edessa"/>
+        <a:font script="Orya" typeface="Kalinga"/>
+        <a:font script="Mlym" typeface="Kartika"/>
+        <a:font script="Laoo" typeface="DokChampa"/>
+        <a:font script="Sinh" typeface="Iskoola Pota"/>
+        <a:font script="Mong" typeface="Mongolian Baiti"/>
+        <a:font script="Viet" typeface="Arial"/>
+        <a:font script="Uigh" typeface="Microsoft Uighur"/>
+        <a:font script="Geor" typeface="Sylfaen"/>
+      </a:minorFont>
+    </a:fontScheme>
+    <a:fmtScheme name="Office">
+      <a:fillStyleLst>
+        <a:solidFill>
+          <a:schemeClr val="phClr"/>
+        </a:solidFill>
+        <a:gradFill rotWithShape="1">
+          <a:gsLst>
+            <a:gs pos="0">
+              <a:schemeClr val="phClr">
+                <a:lumMod val="110000"/>
+                <a:satMod val="105000"/>
+                <a:tint val="67000"/>
+              </a:schemeClr>
+            </a:gs>
+            <a:gs pos="50000">
+              <a:schemeClr val="phClr">
+                <a:lumMod val="105000"/>
+                <a:satMod val="103000"/>
+                <a:tint val="73000"/>
+              </a:schemeClr>
+            </a:gs>
+            <a:gs pos="100000">
+              <a:schemeClr val="phClr">
+                <a:lumMod val="105000"/>
+                <a:satMod val="109000"/>
+                <a:tint val="81000"/>
+              </a:schemeClr>
+            </a:gs>
+          </a:gsLst>
+          <a:lin ang="5400000" scaled="0"/>
+        </a:gradFill>
+        <a:gradFill rotWithShape="1">
+          <a:gsLst>
+            <a:gs pos="0">
+              <a:schemeClr val="phClr">
+                <a:satMod val="103000"/>
+                <a:lumMod val="102000"/>
+                <a:tint val="94000"/>
+              </a:schemeClr>
+            </a:gs>
+            <a:gs pos="50000">
+              <a:schemeClr val="phClr">
+                <a:satMod val="110000"/>
+                <a:lumMod val="100000"/>
+                <a:shade val="100000"/>
+              </a:schemeClr>
+            </a:gs>
+            <a:gs pos="100000">
+              <a:schemeClr val="phClr">
+                <a:lumMod val="99000"/>
+                <a:satMod val="120000"/>
+                <a:shade val="78000"/>
+              </a:schemeClr>
+            </a:gs>
+          </a:gsLst>
+          <a:lin ang="5400000" scaled="0"/>
+        </a:gradFill>
+      </a:fillStyleLst>
+      <a:lnStyleLst>
+        <a:ln w="6350" cap="flat" cmpd="sng" algn="ctr">
+          <a:solidFill>
+            <a:schemeClr val="phClr"/>
+          </a:solidFill>
+          <a:prstDash val="solid"/>
+          <a:miter lim="800000"/>
+        </a:ln>
+        <a:ln w="12700" cap="flat" cmpd="sng" algn="ctr">
+          <a:solidFill>
+            <a:schemeClr val="phClr"/>
+          </a:solidFill>
+          <a:prstDash val="solid"/>
+          <a:miter lim="800000"/>
+        </a:ln>
+        <a:ln w="19050" cap="flat" cmpd="sng" algn="ctr">
+          <a:solidFill>
+            <a:schemeClr val="phClr"/>
+          </a:solidFill>
+          <a:prstDash val="solid"/>
+          <a:miter lim="800000"/>
+        </a:ln>
+      </a:lnStyleLst>
+      <a:effectStyleLst>
+        <a:effectStyle>
+          <a:effectLst/>
+        </a:effectStyle>
+        <a:effectStyle>
+          <a:effectLst/>
+        </a:effectStyle>
+        <a:effectStyle>
+          <a:effectLst>
+            <a:outerShdw blurRad="57150" dist="19050" dir="5400000" algn="ctr" rotWithShape="0">
+              <a:srgbClr val="000000">
+                <a:alpha val="63000"/>
+              </a:srgbClr>
+            </a:outerShdw>
+          </a:effectLst>
+        </a:effectStyle>
+      </a:effectStyleLst>
+      <a:bgFillStyleLst>
+        <a:solidFill>
+          <a:schemeClr val="phClr"/>
+        </a:solidFill>
+        <a:solidFill>
+          <a:schemeClr val="phClr">
+            <a:tint val="95000"/>
+            <a:satMod val="170000"/>
+          </a:schemeClr>
+        </a:solidFill>
+        <a:gradFill rotWithShape="1">
+          <a:gsLst>
+            <a:gs pos="0">
+              <a:schemeClr val="phClr">
+                <a:tint val="93000"/>
+                <a:satMod val="150000"/>
+                <a:shade val="98000"/>
+                <a:lumMod val="102000"/>
+              </a:schemeClr>
+            </a:gs>
+            <a:gs pos="50000">
+              <a:schemeClr val="phClr">
+                <a:tint val="98000"/>
+                <a:satMod val="130000"/>
+                <a:shade val="90000"/>
+                <a:lumMod val="103000"/>
+              </a:schemeClr>
+            </a:gs>
+            <a:gs pos="100000">
+              <a:schemeClr val="phClr">
+                <a:shade val="63000"/>
+                <a:satMod val="120000"/>
+              </a:schemeClr>
+            </a:gs>
+          </a:gsLst>
+          <a:lin ang="5400000" scaled="0"/>
+        </a:gradFill>
+      </a:bgFillStyleLst>
+    </a:fmtScheme>
+  </a:themeElements>
+  <a:objectDefaults/>
+  <a:extraClrSchemeLst/>
+  <a:extLst>
+    <a:ext uri="{05A4C25C-085E-4340-85A3-A5531E510DB2}">
+      <thm15:themeFamily xmlns:thm15="http://schemas.microsoft.com/office/thememl/2012/main" name="Office Theme" id="{62F939B6-93AF-4DB8-9C6B-D6C7DFDC589F}" vid="{4A3C46E8-61CC-4603-A589-7422A47A8E4A}"/>
+    </a:ext>
+  </a:extLst>
+</a:theme>
 </file>